--- a/docs/weeks/week02.pptx
+++ b/docs/weeks/week02.pptx
@@ -49,6 +49,15 @@
     <p:sldId id="297" r:id="rId43"/>
     <p:sldId id="298" r:id="rId44"/>
     <p:sldId id="299" r:id="rId45"/>
+    <p:sldId id="300" r:id="rId46"/>
+    <p:sldId id="301" r:id="rId47"/>
+    <p:sldId id="302" r:id="rId48"/>
+    <p:sldId id="303" r:id="rId49"/>
+    <p:sldId id="304" r:id="rId50"/>
+    <p:sldId id="305" r:id="rId51"/>
+    <p:sldId id="306" r:id="rId52"/>
+    <p:sldId id="307" r:id="rId53"/>
+    <p:sldId id="308" r:id="rId54"/>
   </p:sldIdLst>
   <p:sldSz cx="9144000" cy="5143500" type="screen16x9"/>
   <p:notesSz cx="6858000" cy="9144000"/>
@@ -3221,6 +3230,1189 @@
           <a:chExt cx="0" cy="0"/>
         </a:xfrm>
       </p:grpSpPr>
+      <p:sp>
+        <p:nvSpPr>
+          <p:cNvPr id="3" name="Content Placeholder 2"/>
+          <p:cNvSpPr>
+            <a:spLocks noGrp="1"/>
+          </p:cNvSpPr>
+          <p:nvPr>
+            <p:ph idx="1"/>
+          </p:nvPr>
+        </p:nvSpPr>
+        <p:spPr/>
+        <p:txBody>
+          <a:bodyPr/>
+          <a:lstStyle/>
+          <a:p>
+            <a:pPr lvl="0" indent="0" marL="0">
+              <a:buNone/>
+            </a:pPr>
+            <a:r>
+              <a:rPr/>
+              <a:t>Alternatively, in the spirit of </a:t>
+            </a:r>
+            <a:r>
+              <a:rPr i="1"/>
+              <a:t>refusal</a:t>
+            </a:r>
+            <a:r>
+              <a:rPr/>
+              <a:t>, some different questions come to the surface:</a:t>
+            </a:r>
+          </a:p>
+          <a:p>
+            <a:pPr lvl="0"/>
+            <a:r>
+              <a:rPr/>
+              <a:t>What beliefs underlie the analysis of college enrollment rates?</a:t>
+            </a:r>
+          </a:p>
+          <a:p>
+            <a:pPr lvl="0"/>
+            <a:r>
+              <a:rPr/>
+              <a:t>What assumptions are being made when quantifying educational pathways?</a:t>
+            </a:r>
+          </a:p>
+          <a:p>
+            <a:pPr lvl="0"/>
+            <a:r>
+              <a:rPr/>
+              <a:t>How does rejecting conventional racial comparisons challenge power dynamics?</a:t>
+            </a:r>
+          </a:p>
+          <a:p>
+            <a:pPr lvl="0" indent="0" marL="0">
+              <a:buNone/>
+            </a:pPr>
+            <a:r>
+              <a:rPr/>
+              <a:t>This second set of questions, as early examples of a practice of refusal, encourage your critical thinking in a few ways. First, the questions ask you to think about the less explicit components of the paragraph. Second, the questions present an option to reject conventional approaches to how we measure educational outcomes and ask why. Third, and to the seeming contradiction between refusal and exploration, a set of new pathways arise.</a:t>
+            </a:r>
+          </a:p>
+        </p:txBody>
+      </p:sp>
+    </p:spTree>
+  </p:cSld>
+</p:sld>
+</file>
+
+<file path=ppt/slides/slide11.xml><?xml version="1.0" encoding="utf-8"?>
+<p:sld xmlns:a="http://schemas.openxmlformats.org/drawingml/2006/main" xmlns:r="http://schemas.openxmlformats.org/officeDocument/2006/relationships" xmlns:p="http://schemas.openxmlformats.org/presentationml/2006/main">
+  <p:cSld>
+    <p:spTree>
+      <p:nvGrpSpPr>
+        <p:cNvPr id="1" name=""/>
+        <p:cNvGrpSpPr/>
+        <p:nvPr/>
+      </p:nvGrpSpPr>
+      <p:grpSpPr>
+        <a:xfrm>
+          <a:off x="0" y="0"/>
+          <a:ext cx="0" cy="0"/>
+          <a:chOff x="0" y="0"/>
+          <a:chExt cx="0" cy="0"/>
+        </a:xfrm>
+      </p:grpSpPr>
+      <p:sp>
+        <p:nvSpPr>
+          <p:cNvPr id="3" name="Content Placeholder 2"/>
+          <p:cNvSpPr>
+            <a:spLocks noGrp="1"/>
+          </p:cNvSpPr>
+          <p:nvPr>
+            <p:ph idx="1"/>
+          </p:nvPr>
+        </p:nvSpPr>
+        <p:spPr/>
+        <p:txBody>
+          <a:bodyPr/>
+          <a:lstStyle/>
+          <a:p>
+            <a:pPr lvl="0" indent="0" marL="1270000">
+              <a:buNone/>
+            </a:pPr>
+            <a:r>
+              <a:rPr sz="2000" b="1"/>
+              <a:t>Practice</a:t>
+            </a:r>
+          </a:p>
+          <a:p>
+            <a:pPr lvl="0" indent="0" marL="1270000">
+              <a:buNone/>
+            </a:pPr>
+            <a:r>
+              <a:rPr sz="2000"/>
+              <a:t>Bad Stats (or BS), outlined by Professor Ivory Toldson, are data points that are poorly contextualized, generally negative, and they are often incomplete or incorrect. They are part of a problematic trend in which statistics are used to reinforce negative stereotypes. Identify two examples of </a:t>
+            </a:r>
+            <a:r>
+              <a:rPr sz="2000" i="1"/>
+              <a:t>Bad Stats</a:t>
+            </a:r>
+            <a:r>
+              <a:rPr sz="2000"/>
+              <a:t> in popular media.</a:t>
+            </a:r>
+          </a:p>
+        </p:txBody>
+      </p:sp>
+    </p:spTree>
+  </p:cSld>
+</p:sld>
+</file>
+
+<file path=ppt/slides/slide12.xml><?xml version="1.0" encoding="utf-8"?>
+<p:sld xmlns:a="http://schemas.openxmlformats.org/drawingml/2006/main" xmlns:r="http://schemas.openxmlformats.org/officeDocument/2006/relationships" xmlns:p="http://schemas.openxmlformats.org/presentationml/2006/main">
+  <p:cSld>
+    <p:spTree>
+      <p:nvGrpSpPr>
+        <p:cNvPr id="1" name=""/>
+        <p:cNvGrpSpPr/>
+        <p:nvPr/>
+      </p:nvGrpSpPr>
+      <p:grpSpPr>
+        <a:xfrm>
+          <a:off x="0" y="0"/>
+          <a:ext cx="0" cy="0"/>
+          <a:chOff x="0" y="0"/>
+          <a:chExt cx="0" cy="0"/>
+        </a:xfrm>
+      </p:grpSpPr>
+      <p:sp>
+        <p:nvSpPr>
+          <p:cNvPr id="2" name="Title 1"/>
+          <p:cNvSpPr>
+            <a:spLocks noGrp="1"/>
+          </p:cNvSpPr>
+          <p:nvPr>
+            <p:ph type="title"/>
+          </p:nvPr>
+        </p:nvSpPr>
+        <p:spPr>
+          <a:xfrm>
+            <a:off x="722313" y="3305176"/>
+            <a:ext cx="7772400" cy="1021556"/>
+          </a:xfrm>
+        </p:spPr>
+        <p:txBody>
+          <a:bodyPr/>
+          <a:lstStyle/>
+          <a:p>
+            <a:pPr lvl="0" indent="0" marL="0">
+              <a:buNone/>
+            </a:pPr>
+            <a:r>
+              <a:rPr/>
+              <a:t>Part II: Content</a:t>
+            </a:r>
+          </a:p>
+        </p:txBody>
+      </p:sp>
+    </p:spTree>
+  </p:cSld>
+</p:sld>
+</file>
+
+<file path=ppt/slides/slide13.xml><?xml version="1.0" encoding="utf-8"?>
+<p:sld xmlns:a="http://schemas.openxmlformats.org/drawingml/2006/main" xmlns:r="http://schemas.openxmlformats.org/officeDocument/2006/relationships" xmlns:p="http://schemas.openxmlformats.org/presentationml/2006/main">
+  <p:cSld>
+    <p:spTree>
+      <p:nvGrpSpPr>
+        <p:cNvPr id="1" name=""/>
+        <p:cNvGrpSpPr/>
+        <p:nvPr/>
+      </p:nvGrpSpPr>
+      <p:grpSpPr>
+        <a:xfrm>
+          <a:off x="0" y="0"/>
+          <a:ext cx="0" cy="0"/>
+          <a:chOff x="0" y="0"/>
+          <a:chExt cx="0" cy="0"/>
+        </a:xfrm>
+      </p:grpSpPr>
+      <p:sp>
+        <p:nvSpPr>
+          <p:cNvPr id="3" name="Content Placeholder 2"/>
+          <p:cNvSpPr>
+            <a:spLocks noGrp="1"/>
+          </p:cNvSpPr>
+          <p:nvPr>
+            <p:ph idx="1"/>
+          </p:nvPr>
+        </p:nvSpPr>
+        <p:spPr/>
+        <p:txBody>
+          <a:bodyPr/>
+          <a:lstStyle/>
+          <a:p>
+            <a:pPr lvl="0" indent="0" marL="0">
+              <a:spcBef>
+                <a:spcPts val="3000"/>
+              </a:spcBef>
+              <a:buNone/>
+            </a:pPr>
+            <a:r>
+              <a:rPr b="1"/>
+              <a:t>The Big Picture</a:t>
+            </a:r>
+          </a:p>
+          <a:p>
+            <a:pPr lvl="0" indent="0" marL="0">
+              <a:buNone/>
+            </a:pPr>
+            <a:r>
+              <a:rPr/>
+              <a:t>Pelham (2013) defines “statistics [as] a set of mathematical procedures for summarizing and interpreting observations” (p.5). Pelham describes </a:t>
+            </a:r>
+            <a:r>
+              <a:rPr i="1"/>
+              <a:t>descriptive</a:t>
+            </a:r>
+            <a:r>
+              <a:rPr/>
+              <a:t> statistics as “statistics used to summarize or describe a set of observations”, whereas </a:t>
+            </a:r>
+            <a:r>
+              <a:rPr i="1"/>
+              <a:t>inferential</a:t>
+            </a:r>
+            <a:r>
+              <a:rPr/>
+              <a:t> statistics are defined as “statistics used to draw inferences about a set of observations” (p. 5).</a:t>
+            </a:r>
+          </a:p>
+          <a:p>
+            <a:pPr lvl="0" indent="0" marL="0">
+              <a:buNone/>
+            </a:pPr>
+            <a:r>
+              <a:rPr/>
+              <a:t>Some key concepts:</a:t>
+            </a:r>
+          </a:p>
+          <a:p>
+            <a:pPr lvl="0"/>
+            <a:r>
+              <a:rPr/>
+              <a:t>Population parameter: A numerical characteristic of an entire population, often unknown and estimated using sample data.</a:t>
+            </a:r>
+          </a:p>
+          <a:p>
+            <a:pPr lvl="0"/>
+            <a:r>
+              <a:rPr/>
+              <a:t>Sample statistic: A numerical value calculated from a sample to estimate a population parameter.</a:t>
+            </a:r>
+          </a:p>
+          <a:p>
+            <a:pPr lvl="0"/>
+            <a:r>
+              <a:rPr/>
+              <a:t>Confidence interval: A range of values that likely contains an unknown population parameter, calculated with a specified level of confidence.</a:t>
+            </a:r>
+          </a:p>
+          <a:p>
+            <a:pPr lvl="0"/>
+            <a:r>
+              <a:rPr/>
+              <a:t>Hypothesis test: A statistical method to make inferences about a population parameter based on sample data, involving null and alternative hypotheses.</a:t>
+            </a:r>
+          </a:p>
+        </p:txBody>
+      </p:sp>
+    </p:spTree>
+  </p:cSld>
+</p:sld>
+</file>
+
+<file path=ppt/slides/slide14.xml><?xml version="1.0" encoding="utf-8"?>
+<p:sld xmlns:a="http://schemas.openxmlformats.org/drawingml/2006/main" xmlns:r="http://schemas.openxmlformats.org/officeDocument/2006/relationships" xmlns:p="http://schemas.openxmlformats.org/presentationml/2006/main">
+  <p:cSld>
+    <p:spTree>
+      <p:nvGrpSpPr>
+        <p:cNvPr id="1" name=""/>
+        <p:cNvGrpSpPr/>
+        <p:nvPr/>
+      </p:nvGrpSpPr>
+      <p:grpSpPr>
+        <a:xfrm>
+          <a:off x="0" y="0"/>
+          <a:ext cx="0" cy="0"/>
+          <a:chOff x="0" y="0"/>
+          <a:chExt cx="0" cy="0"/>
+        </a:xfrm>
+      </p:grpSpPr>
+      <p:sp>
+        <p:nvSpPr>
+          <p:cNvPr id="3" name="Content Placeholder 2"/>
+          <p:cNvSpPr>
+            <a:spLocks noGrp="1"/>
+          </p:cNvSpPr>
+          <p:nvPr>
+            <p:ph idx="1"/>
+          </p:nvPr>
+        </p:nvSpPr>
+        <p:spPr/>
+        <p:txBody>
+          <a:bodyPr/>
+          <a:lstStyle/>
+          <a:p>
+            <a:pPr lvl="0"/>
+            <a:r>
+              <a:rPr/>
+              <a:t>Analysis of Variance (ANOVA): A statistical technique used to compare means across multiple groups, typically used when there are three or more categories of a single variable.</a:t>
+            </a:r>
+          </a:p>
+          <a:p>
+            <a:pPr lvl="0"/>
+            <a:r>
+              <a:rPr/>
+              <a:t>Multiple comparisons: Statistical procedures used to control the family-wise error rate when making several simultaneous inferences or comparisons.</a:t>
+            </a:r>
+          </a:p>
+          <a:p>
+            <a:pPr lvl="0"/>
+            <a:r>
+              <a:rPr/>
+              <a:t>Interaction effects: A situation in statistics where the effect of one variable on an outcome depends on the value of another variable.</a:t>
+            </a:r>
+          </a:p>
+          <a:p>
+            <a:pPr lvl="0"/>
+            <a:r>
+              <a:rPr/>
+              <a:t>Correlation: A statistical measure that describes the strength and direction of the linear relationship between two variables.</a:t>
+            </a:r>
+          </a:p>
+          <a:p>
+            <a:pPr lvl="0"/>
+            <a:r>
+              <a:rPr/>
+              <a:t>Regression: A statistical method used to model the relationship between a dependent variable and one or more independent variables.</a:t>
+            </a:r>
+          </a:p>
+          <a:p>
+            <a:pPr lvl="0"/>
+            <a:r>
+              <a:rPr/>
+              <a:t>Chi-square tests: Statistical tests used to determine if there is a significant association between categorical variables or if observed frequencies differ from expected frequencies.</a:t>
+            </a:r>
+          </a:p>
+        </p:txBody>
+      </p:sp>
+    </p:spTree>
+  </p:cSld>
+</p:sld>
+</file>
+
+<file path=ppt/slides/slide15.xml><?xml version="1.0" encoding="utf-8"?>
+<p:sld xmlns:a="http://schemas.openxmlformats.org/drawingml/2006/main" xmlns:r="http://schemas.openxmlformats.org/officeDocument/2006/relationships" xmlns:p="http://schemas.openxmlformats.org/presentationml/2006/main">
+  <p:cSld>
+    <p:spTree>
+      <p:nvGrpSpPr>
+        <p:cNvPr id="1" name=""/>
+        <p:cNvGrpSpPr/>
+        <p:nvPr/>
+      </p:nvGrpSpPr>
+      <p:grpSpPr>
+        <a:xfrm>
+          <a:off x="0" y="0"/>
+          <a:ext cx="0" cy="0"/>
+          <a:chOff x="0" y="0"/>
+          <a:chExt cx="0" cy="0"/>
+        </a:xfrm>
+      </p:grpSpPr>
+      <p:sp>
+        <p:nvSpPr>
+          <p:cNvPr id="3" name="Content Placeholder 2"/>
+          <p:cNvSpPr>
+            <a:spLocks noGrp="1"/>
+          </p:cNvSpPr>
+          <p:nvPr>
+            <p:ph idx="1"/>
+          </p:nvPr>
+        </p:nvSpPr>
+        <p:spPr/>
+        <p:txBody>
+          <a:bodyPr/>
+          <a:lstStyle/>
+          <a:p>
+            <a:pPr lvl="0" indent="0" marL="0">
+              <a:spcBef>
+                <a:spcPts val="3000"/>
+              </a:spcBef>
+              <a:buNone/>
+            </a:pPr>
+            <a:r>
+              <a:rPr b="1"/>
+              <a:t>Descriptive measures</a:t>
+            </a:r>
+          </a:p>
+          <a:p>
+            <a:pPr lvl="0" indent="0" marL="0">
+              <a:buNone/>
+            </a:pPr>
+            <a:r>
+              <a:rPr b="1"/>
+              <a:t>Measures of central tendency</a:t>
+            </a:r>
+            <a:r>
+              <a:rPr/>
+              <a:t>: These describe the “average” or central value of a set of observations.</a:t>
+            </a:r>
+          </a:p>
+          <a:p>
+            <a:pPr lvl="0"/>
+            <a:r>
+              <a:rPr/>
+              <a:t>Mean: The arithmetic average of all values</a:t>
+            </a:r>
+          </a:p>
+          <a:p>
+            <a:pPr lvl="0"/>
+            <a:r>
+              <a:rPr/>
+              <a:t>Median: The middle value when data is ordered</a:t>
+            </a:r>
+          </a:p>
+          <a:p>
+            <a:pPr lvl="0"/>
+            <a:r>
+              <a:rPr/>
+              <a:t>Mode: The most frequently occurring value</a:t>
+            </a:r>
+          </a:p>
+          <a:p>
+            <a:pPr lvl="0" indent="0" marL="0">
+              <a:buNone/>
+            </a:pPr>
+            <a:r>
+              <a:rPr b="1"/>
+              <a:t>Measures of dispersion</a:t>
+            </a:r>
+            <a:r>
+              <a:rPr/>
+              <a:t>: These describe how data vary or spread out from the central tendency.</a:t>
+            </a:r>
+          </a:p>
+          <a:p>
+            <a:pPr lvl="0"/>
+            <a:r>
+              <a:rPr/>
+              <a:t>Range: The difference between the maximum and minimum values</a:t>
+            </a:r>
+          </a:p>
+          <a:p>
+            <a:pPr lvl="0"/>
+            <a:r>
+              <a:rPr/>
+              <a:t>Variance: The average of squared deviations from the mean</a:t>
+            </a:r>
+          </a:p>
+          <a:p>
+            <a:pPr lvl="0"/>
+            <a:r>
+              <a:rPr/>
+              <a:t>Standard deviation: The square root of the variance</a:t>
+            </a:r>
+          </a:p>
+        </p:txBody>
+      </p:sp>
+    </p:spTree>
+  </p:cSld>
+</p:sld>
+</file>
+
+<file path=ppt/slides/slide16.xml><?xml version="1.0" encoding="utf-8"?>
+<p:sld xmlns:a="http://schemas.openxmlformats.org/drawingml/2006/main" xmlns:r="http://schemas.openxmlformats.org/officeDocument/2006/relationships" xmlns:p="http://schemas.openxmlformats.org/presentationml/2006/main">
+  <p:cSld>
+    <p:spTree>
+      <p:nvGrpSpPr>
+        <p:cNvPr id="1" name=""/>
+        <p:cNvGrpSpPr/>
+        <p:nvPr/>
+      </p:nvGrpSpPr>
+      <p:grpSpPr>
+        <a:xfrm>
+          <a:off x="0" y="0"/>
+          <a:ext cx="0" cy="0"/>
+          <a:chOff x="0" y="0"/>
+          <a:chExt cx="0" cy="0"/>
+        </a:xfrm>
+      </p:grpSpPr>
+      <p:sp>
+        <p:nvSpPr>
+          <p:cNvPr id="3" name="Content Placeholder 2"/>
+          <p:cNvSpPr>
+            <a:spLocks noGrp="1"/>
+          </p:cNvSpPr>
+          <p:nvPr>
+            <p:ph idx="1"/>
+          </p:nvPr>
+        </p:nvSpPr>
+        <p:spPr/>
+        <p:txBody>
+          <a:bodyPr/>
+          <a:lstStyle/>
+          <a:p>
+            <a:pPr lvl="0" indent="0" marL="0">
+              <a:spcBef>
+                <a:spcPts val="3000"/>
+              </a:spcBef>
+              <a:buNone/>
+            </a:pPr>
+            <a:r>
+              <a:rPr b="1"/>
+              <a:t>EXAMPLE – entering values in R</a:t>
+            </a:r>
+          </a:p>
+          <a:p>
+            <a:pPr lvl="0" indent="0" marL="0">
+              <a:buNone/>
+            </a:pPr>
+            <a:r>
+              <a:rPr/>
+              <a:t>Assume we have a small set of data: 2, 2, 4, 4. We can input and compute this data in </a:t>
+            </a:r>
+            <a:r>
+              <a:rPr i="1"/>
+              <a:t>R</a:t>
+            </a:r>
+            <a:r>
+              <a:rPr/>
+              <a:t> using the following code:</a:t>
+            </a:r>
+          </a:p>
+          <a:p>
+            <a:pPr lvl="0" indent="0">
+              <a:buNone/>
+            </a:pPr>
+            <a:r>
+              <a:rPr>
+                <a:solidFill>
+                  <a:srgbClr val="5E5E5E"/>
+                </a:solidFill>
+                <a:latin typeface="Courier"/>
+              </a:rPr>
+              <a:t># Generate sample data</a:t>
+            </a:r>
+            <a:br/>
+            <a:r>
+              <a:rPr>
+                <a:solidFill>
+                  <a:srgbClr val="003B4F"/>
+                </a:solidFill>
+                <a:latin typeface="Courier"/>
+              </a:rPr>
+              <a:t>x &lt;- </a:t>
+            </a:r>
+            <a:r>
+              <a:rPr>
+                <a:solidFill>
+                  <a:srgbClr val="4758AB"/>
+                </a:solidFill>
+                <a:latin typeface="Courier"/>
+              </a:rPr>
+              <a:t>c</a:t>
+            </a:r>
+            <a:r>
+              <a:rPr>
+                <a:solidFill>
+                  <a:srgbClr val="003B4F"/>
+                </a:solidFill>
+                <a:latin typeface="Courier"/>
+              </a:rPr>
+              <a:t>(</a:t>
+            </a:r>
+            <a:r>
+              <a:rPr>
+                <a:solidFill>
+                  <a:srgbClr val="AD0000"/>
+                </a:solidFill>
+                <a:latin typeface="Courier"/>
+              </a:rPr>
+              <a:t>2</a:t>
+            </a:r>
+            <a:r>
+              <a:rPr>
+                <a:solidFill>
+                  <a:srgbClr val="003B4F"/>
+                </a:solidFill>
+                <a:latin typeface="Courier"/>
+              </a:rPr>
+              <a:t>, </a:t>
+            </a:r>
+            <a:r>
+              <a:rPr>
+                <a:solidFill>
+                  <a:srgbClr val="AD0000"/>
+                </a:solidFill>
+                <a:latin typeface="Courier"/>
+              </a:rPr>
+              <a:t>2</a:t>
+            </a:r>
+            <a:r>
+              <a:rPr>
+                <a:solidFill>
+                  <a:srgbClr val="003B4F"/>
+                </a:solidFill>
+                <a:latin typeface="Courier"/>
+              </a:rPr>
+              <a:t>, </a:t>
+            </a:r>
+            <a:r>
+              <a:rPr>
+                <a:solidFill>
+                  <a:srgbClr val="AD0000"/>
+                </a:solidFill>
+                <a:latin typeface="Courier"/>
+              </a:rPr>
+              <a:t>4</a:t>
+            </a:r>
+            <a:r>
+              <a:rPr>
+                <a:solidFill>
+                  <a:srgbClr val="003B4F"/>
+                </a:solidFill>
+                <a:latin typeface="Courier"/>
+              </a:rPr>
+              <a:t>, </a:t>
+            </a:r>
+            <a:r>
+              <a:rPr>
+                <a:solidFill>
+                  <a:srgbClr val="AD0000"/>
+                </a:solidFill>
+                <a:latin typeface="Courier"/>
+              </a:rPr>
+              <a:t>4</a:t>
+            </a:r>
+            <a:r>
+              <a:rPr>
+                <a:solidFill>
+                  <a:srgbClr val="003B4F"/>
+                </a:solidFill>
+                <a:latin typeface="Courier"/>
+              </a:rPr>
+              <a:t>)</a:t>
+            </a:r>
+          </a:p>
+        </p:txBody>
+      </p:sp>
+    </p:spTree>
+  </p:cSld>
+</p:sld>
+</file>
+
+<file path=ppt/slides/slide17.xml><?xml version="1.0" encoding="utf-8"?>
+<p:sld xmlns:a="http://schemas.openxmlformats.org/drawingml/2006/main" xmlns:r="http://schemas.openxmlformats.org/officeDocument/2006/relationships" xmlns:p="http://schemas.openxmlformats.org/presentationml/2006/main">
+  <p:cSld>
+    <p:spTree>
+      <p:nvGrpSpPr>
+        <p:cNvPr id="1" name=""/>
+        <p:cNvGrpSpPr/>
+        <p:nvPr/>
+      </p:nvGrpSpPr>
+      <p:grpSpPr>
+        <a:xfrm>
+          <a:off x="0" y="0"/>
+          <a:ext cx="0" cy="0"/>
+          <a:chOff x="0" y="0"/>
+          <a:chExt cx="0" cy="0"/>
+        </a:xfrm>
+      </p:grpSpPr>
+      <p:sp>
+        <p:nvSpPr>
+          <p:cNvPr id="3" name="Content Placeholder 2"/>
+          <p:cNvSpPr>
+            <a:spLocks noGrp="1"/>
+          </p:cNvSpPr>
+          <p:nvPr>
+            <p:ph idx="1"/>
+          </p:nvPr>
+        </p:nvSpPr>
+        <p:spPr/>
+        <p:txBody>
+          <a:bodyPr/>
+          <a:lstStyle/>
+          <a:p>
+            <a:pPr lvl="0" indent="0">
+              <a:buNone/>
+            </a:pPr>
+            <a:r>
+              <a:rPr>
+                <a:solidFill>
+                  <a:srgbClr val="5E5E5E"/>
+                </a:solidFill>
+                <a:latin typeface="Courier"/>
+              </a:rPr>
+              <a:t># compute the mean</a:t>
+            </a:r>
+            <a:br/>
+            <a:r>
+              <a:rPr>
+                <a:solidFill>
+                  <a:srgbClr val="003B4F"/>
+                </a:solidFill>
+                <a:latin typeface="Courier"/>
+              </a:rPr>
+              <a:t>m = </a:t>
+            </a:r>
+            <a:r>
+              <a:rPr>
+                <a:solidFill>
+                  <a:srgbClr val="4758AB"/>
+                </a:solidFill>
+                <a:latin typeface="Courier"/>
+              </a:rPr>
+              <a:t>sum</a:t>
+            </a:r>
+            <a:r>
+              <a:rPr>
+                <a:solidFill>
+                  <a:srgbClr val="003B4F"/>
+                </a:solidFill>
+                <a:latin typeface="Courier"/>
+              </a:rPr>
+              <a:t>(x)</a:t>
+            </a:r>
+            <a:r>
+              <a:rPr>
+                <a:solidFill>
+                  <a:srgbClr val="5E5E5E"/>
+                </a:solidFill>
+                <a:latin typeface="Courier"/>
+              </a:rPr>
+              <a:t>/</a:t>
+            </a:r>
+            <a:r>
+              <a:rPr>
+                <a:solidFill>
+                  <a:srgbClr val="AD0000"/>
+                </a:solidFill>
+                <a:latin typeface="Courier"/>
+              </a:rPr>
+              <a:t>4</a:t>
+            </a:r>
+            <a:br/>
+            <a:r>
+              <a:rPr>
+                <a:solidFill>
+                  <a:srgbClr val="003B4F"/>
+                </a:solidFill>
+                <a:latin typeface="Courier"/>
+              </a:rPr>
+              <a:t>m</a:t>
+            </a:r>
+          </a:p>
+          <a:p>
+            <a:pPr lvl="0" indent="0">
+              <a:buNone/>
+            </a:pPr>
+            <a:r>
+              <a:rPr>
+                <a:latin typeface="Courier"/>
+              </a:rPr>
+              <a:t>[1] 3</a:t>
+            </a:r>
+          </a:p>
+        </p:txBody>
+      </p:sp>
+    </p:spTree>
+  </p:cSld>
+</p:sld>
+</file>
+
+<file path=ppt/slides/slide18.xml><?xml version="1.0" encoding="utf-8"?>
+<p:sld xmlns:a="http://schemas.openxmlformats.org/drawingml/2006/main" xmlns:r="http://schemas.openxmlformats.org/officeDocument/2006/relationships" xmlns:p="http://schemas.openxmlformats.org/presentationml/2006/main">
+  <p:cSld>
+    <p:spTree>
+      <p:nvGrpSpPr>
+        <p:cNvPr id="1" name=""/>
+        <p:cNvGrpSpPr/>
+        <p:nvPr/>
+      </p:nvGrpSpPr>
+      <p:grpSpPr>
+        <a:xfrm>
+          <a:off x="0" y="0"/>
+          <a:ext cx="0" cy="0"/>
+          <a:chOff x="0" y="0"/>
+          <a:chExt cx="0" cy="0"/>
+        </a:xfrm>
+      </p:grpSpPr>
+      <p:sp>
+        <p:nvSpPr>
+          <p:cNvPr id="3" name="Content Placeholder 2"/>
+          <p:cNvSpPr>
+            <a:spLocks noGrp="1"/>
+          </p:cNvSpPr>
+          <p:nvPr>
+            <p:ph idx="1"/>
+          </p:nvPr>
+        </p:nvSpPr>
+        <p:spPr/>
+        <p:txBody>
+          <a:bodyPr/>
+          <a:lstStyle/>
+          <a:p>
+            <a:pPr lvl="0" indent="0">
+              <a:buNone/>
+            </a:pPr>
+            <a:r>
+              <a:rPr>
+                <a:solidFill>
+                  <a:srgbClr val="5E5E5E"/>
+                </a:solidFill>
+                <a:latin typeface="Courier"/>
+              </a:rPr>
+              <a:t># compute the median</a:t>
+            </a:r>
+            <a:br/>
+            <a:r>
+              <a:rPr>
+                <a:solidFill>
+                  <a:srgbClr val="4758AB"/>
+                </a:solidFill>
+                <a:latin typeface="Courier"/>
+              </a:rPr>
+              <a:t>median</a:t>
+            </a:r>
+            <a:r>
+              <a:rPr>
+                <a:solidFill>
+                  <a:srgbClr val="003B4F"/>
+                </a:solidFill>
+                <a:latin typeface="Courier"/>
+              </a:rPr>
+              <a:t>(x)</a:t>
+            </a:r>
+          </a:p>
+          <a:p>
+            <a:pPr lvl="0" indent="0">
+              <a:buNone/>
+            </a:pPr>
+            <a:r>
+              <a:rPr>
+                <a:latin typeface="Courier"/>
+              </a:rPr>
+              <a:t>[1] 3</a:t>
+            </a:r>
+          </a:p>
+        </p:txBody>
+      </p:sp>
+    </p:spTree>
+  </p:cSld>
+</p:sld>
+</file>
+
+<file path=ppt/slides/slide19.xml><?xml version="1.0" encoding="utf-8"?>
+<p:sld xmlns:a="http://schemas.openxmlformats.org/drawingml/2006/main" xmlns:r="http://schemas.openxmlformats.org/officeDocument/2006/relationships" xmlns:p="http://schemas.openxmlformats.org/presentationml/2006/main">
+  <p:cSld>
+    <p:spTree>
+      <p:nvGrpSpPr>
+        <p:cNvPr id="1" name=""/>
+        <p:cNvGrpSpPr/>
+        <p:nvPr/>
+      </p:nvGrpSpPr>
+      <p:grpSpPr>
+        <a:xfrm>
+          <a:off x="0" y="0"/>
+          <a:ext cx="0" cy="0"/>
+          <a:chOff x="0" y="0"/>
+          <a:chExt cx="0" cy="0"/>
+        </a:xfrm>
+      </p:grpSpPr>
+      <p:sp>
+        <p:nvSpPr>
+          <p:cNvPr id="3" name="Content Placeholder 2"/>
+          <p:cNvSpPr>
+            <a:spLocks noGrp="1"/>
+          </p:cNvSpPr>
+          <p:nvPr>
+            <p:ph idx="1"/>
+          </p:nvPr>
+        </p:nvSpPr>
+        <p:spPr/>
+        <p:txBody>
+          <a:bodyPr/>
+          <a:lstStyle/>
+          <a:p>
+            <a:pPr lvl="0" indent="0">
+              <a:buNone/>
+            </a:pPr>
+            <a:r>
+              <a:rPr>
+                <a:solidFill>
+                  <a:srgbClr val="5E5E5E"/>
+                </a:solidFill>
+                <a:latin typeface="Courier"/>
+              </a:rPr>
+              <a:t># compute the mode</a:t>
+            </a:r>
+            <a:br/>
+            <a:r>
+              <a:rPr>
+                <a:solidFill>
+                  <a:srgbClr val="4758AB"/>
+                </a:solidFill>
+                <a:latin typeface="Courier"/>
+              </a:rPr>
+              <a:t>mode</a:t>
+            </a:r>
+            <a:r>
+              <a:rPr>
+                <a:solidFill>
+                  <a:srgbClr val="003B4F"/>
+                </a:solidFill>
+                <a:latin typeface="Courier"/>
+              </a:rPr>
+              <a:t>(x)</a:t>
+            </a:r>
+          </a:p>
+          <a:p>
+            <a:pPr lvl="0" indent="0">
+              <a:buNone/>
+            </a:pPr>
+            <a:r>
+              <a:rPr>
+                <a:latin typeface="Courier"/>
+              </a:rPr>
+              <a:t>[1] "numeric"</a:t>
+            </a:r>
+          </a:p>
+          <a:p>
+            <a:pPr lvl="0" indent="0">
+              <a:buNone/>
+            </a:pPr>
+            <a:r>
+              <a:rPr>
+                <a:solidFill>
+                  <a:srgbClr val="003B4F"/>
+                </a:solidFill>
+                <a:latin typeface="Courier"/>
+              </a:rPr>
+              <a:t>table.x &lt;- </a:t>
+            </a:r>
+            <a:r>
+              <a:rPr>
+                <a:solidFill>
+                  <a:srgbClr val="4758AB"/>
+                </a:solidFill>
+                <a:latin typeface="Courier"/>
+              </a:rPr>
+              <a:t>table</a:t>
+            </a:r>
+            <a:r>
+              <a:rPr>
+                <a:solidFill>
+                  <a:srgbClr val="003B4F"/>
+                </a:solidFill>
+                <a:latin typeface="Courier"/>
+              </a:rPr>
+              <a:t>(x)</a:t>
+            </a:r>
+            <a:br/>
+            <a:r>
+              <a:rPr>
+                <a:solidFill>
+                  <a:srgbClr val="003B4F"/>
+                </a:solidFill>
+                <a:latin typeface="Courier"/>
+              </a:rPr>
+              <a:t>table.x</a:t>
+            </a:r>
+          </a:p>
+          <a:p>
+            <a:pPr lvl="0" indent="0">
+              <a:buNone/>
+            </a:pPr>
+            <a:r>
+              <a:rPr>
+                <a:latin typeface="Courier"/>
+              </a:rPr>
+              <a:t>x
+2 4 
+2 2 </a:t>
+            </a:r>
+          </a:p>
+        </p:txBody>
+      </p:sp>
+    </p:spTree>
+  </p:cSld>
+</p:sld>
+</file>
+
+<file path=ppt/slides/slide2.xml><?xml version="1.0" encoding="utf-8"?>
+<p:sld xmlns:a="http://schemas.openxmlformats.org/drawingml/2006/main" xmlns:r="http://schemas.openxmlformats.org/officeDocument/2006/relationships" xmlns:p="http://schemas.openxmlformats.org/presentationml/2006/main">
+  <p:cSld>
+    <p:spTree>
+      <p:nvGrpSpPr>
+        <p:cNvPr id="1" name=""/>
+        <p:cNvGrpSpPr/>
+        <p:nvPr/>
+      </p:nvGrpSpPr>
+      <p:grpSpPr>
+        <a:xfrm>
+          <a:off x="0" y="0"/>
+          <a:ext cx="0" cy="0"/>
+          <a:chOff x="0" y="0"/>
+          <a:chExt cx="0" cy="0"/>
+        </a:xfrm>
+      </p:grpSpPr>
+      <p:sp>
+        <p:nvSpPr>
+          <p:cNvPr id="2" name="Title 1"/>
+          <p:cNvSpPr>
+            <a:spLocks noGrp="1"/>
+          </p:cNvSpPr>
+          <p:nvPr>
+            <p:ph type="title"/>
+          </p:nvPr>
+        </p:nvSpPr>
+        <p:spPr>
+          <a:xfrm>
+            <a:off x="722313" y="3305176"/>
+            <a:ext cx="7772400" cy="1021556"/>
+          </a:xfrm>
+        </p:spPr>
+        <p:txBody>
+          <a:bodyPr/>
+          <a:lstStyle/>
+          <a:p>
+            <a:pPr lvl="0" indent="0" marL="0">
+              <a:buNone/>
+            </a:pPr>
+            <a:r>
+              <a:rPr/>
+              <a:t>Part I: Context</a:t>
+            </a:r>
+          </a:p>
+        </p:txBody>
+      </p:sp>
+    </p:spTree>
+  </p:cSld>
+</p:sld>
+</file>
+
+<file path=ppt/slides/slide20.xml><?xml version="1.0" encoding="utf-8"?>
+<p:sld xmlns:a="http://schemas.openxmlformats.org/drawingml/2006/main" xmlns:r="http://schemas.openxmlformats.org/officeDocument/2006/relationships" xmlns:p="http://schemas.openxmlformats.org/presentationml/2006/main">
+  <p:cSld>
+    <p:spTree>
+      <p:nvGrpSpPr>
+        <p:cNvPr id="1" name=""/>
+        <p:cNvGrpSpPr/>
+        <p:nvPr/>
+      </p:nvGrpSpPr>
+      <p:grpSpPr>
+        <a:xfrm>
+          <a:off x="0" y="0"/>
+          <a:ext cx="0" cy="0"/>
+          <a:chOff x="0" y="0"/>
+          <a:chExt cx="0" cy="0"/>
+        </a:xfrm>
+      </p:grpSpPr>
+      <p:sp>
+        <p:nvSpPr>
+          <p:cNvPr id="4" name="Text Placeholder 3"/>
+          <p:cNvSpPr>
+            <a:spLocks noGrp="1"/>
+          </p:cNvSpPr>
+          <p:nvPr>
+            <p:ph idx="2" sz="half" type="body"/>
+          </p:nvPr>
+        </p:nvSpPr>
+        <p:spPr/>
+        <p:txBody>
+          <a:bodyPr/>
+          <a:lstStyle/>
+          <a:p>
+            <a:pPr lvl="0" indent="0">
+              <a:buNone/>
+            </a:pPr>
+            <a:r>
+              <a:rPr>
+                <a:solidFill>
+                  <a:srgbClr val="5E5E5E"/>
+                </a:solidFill>
+                <a:latin typeface="Courier"/>
+              </a:rPr>
+              <a:t># create a histogram</a:t>
+            </a:r>
+            <a:br/>
+            <a:r>
+              <a:rPr>
+                <a:solidFill>
+                  <a:srgbClr val="4758AB"/>
+                </a:solidFill>
+                <a:latin typeface="Courier"/>
+              </a:rPr>
+              <a:t>hist</a:t>
+            </a:r>
+            <a:r>
+              <a:rPr>
+                <a:solidFill>
+                  <a:srgbClr val="003B4F"/>
+                </a:solidFill>
+                <a:latin typeface="Courier"/>
+              </a:rPr>
+              <a:t>(x)</a:t>
+            </a:r>
+          </a:p>
+        </p:txBody>
+      </p:sp>
+      <p:pic>
+        <p:nvPicPr>
+          <p:cNvPr descr="week02_files/figure-pptx/unnamed-chunk-8-1.png" id="0" name="Picture 1"/>
+          <p:cNvPicPr>
+            <a:picLocks noGrp="1" noChangeAspect="1"/>
+          </p:cNvPicPr>
+          <p:nvPr/>
+        </p:nvPicPr>
+        <p:blipFill>
+          <a:blip r:embed="rId2"/>
+          <a:stretch>
+            <a:fillRect/>
+          </a:stretch>
+        </p:blipFill>
+        <p:spPr bwMode="auto">
+          <a:xfrm>
+            <a:off x="3568700" y="1117600"/>
+            <a:ext cx="5105400" cy="2552700"/>
+          </a:xfrm>
+          <a:prstGeom prst="rect">
+            <a:avLst/>
+          </a:prstGeom>
+          <a:noFill/>
+          <a:ln w="9525">
+            <a:noFill/>
+            <a:headEnd/>
+            <a:tailEnd/>
+          </a:ln>
+        </p:spPr>
+      </p:pic>
+    </p:spTree>
+  </p:cSld>
+</p:sld>
+</file>
+
+<file path=ppt/slides/slide21.xml><?xml version="1.0" encoding="utf-8"?>
+<p:sld xmlns:a="http://schemas.openxmlformats.org/drawingml/2006/main" xmlns:r="http://schemas.openxmlformats.org/officeDocument/2006/relationships" xmlns:p="http://schemas.openxmlformats.org/presentationml/2006/main">
+  <p:cSld>
+    <p:spTree>
+      <p:nvGrpSpPr>
+        <p:cNvPr id="1" name=""/>
+        <p:cNvGrpSpPr/>
+        <p:nvPr/>
+      </p:nvGrpSpPr>
+      <p:grpSpPr>
+        <a:xfrm>
+          <a:off x="0" y="0"/>
+          <a:ext cx="0" cy="0"/>
+          <a:chOff x="0" y="0"/>
+          <a:chExt cx="0" cy="0"/>
+        </a:xfrm>
+      </p:grpSpPr>
       <mc:AlternateContent xmlns:mc="http://schemas.openxmlformats.org/markup-compatibility/2006">
         <mc:Choice xmlns:a14="http://schemas.microsoft.com/office/drawing/2010/main" Requires="a14">
           <p:sp>
@@ -3657,7 +4849,7 @@
 </p:sld>
 </file>
 
-<file path=ppt/slides/slide11.xml><?xml version="1.0" encoding="utf-8"?>
+<file path=ppt/slides/slide22.xml><?xml version="1.0" encoding="utf-8"?>
 <p:sld xmlns:a="http://schemas.openxmlformats.org/drawingml/2006/main" xmlns:r="http://schemas.openxmlformats.org/officeDocument/2006/relationships" xmlns:p="http://schemas.openxmlformats.org/presentationml/2006/main">
   <p:cSld>
     <p:spTree>
@@ -3732,7 +4924,7 @@
 </p:sld>
 </file>
 
-<file path=ppt/slides/slide12.xml><?xml version="1.0" encoding="utf-8"?>
+<file path=ppt/slides/slide23.xml><?xml version="1.0" encoding="utf-8"?>
 <p:sld xmlns:a="http://schemas.openxmlformats.org/drawingml/2006/main" xmlns:r="http://schemas.openxmlformats.org/officeDocument/2006/relationships" xmlns:p="http://schemas.openxmlformats.org/presentationml/2006/main">
   <p:cSld>
     <p:spTree>
@@ -3824,7 +5016,7 @@
 </p:sld>
 </file>
 
-<file path=ppt/slides/slide13.xml><?xml version="1.0" encoding="utf-8"?>
+<file path=ppt/slides/slide24.xml><?xml version="1.0" encoding="utf-8"?>
 <p:sld xmlns:a="http://schemas.openxmlformats.org/drawingml/2006/main" xmlns:r="http://schemas.openxmlformats.org/officeDocument/2006/relationships" xmlns:p="http://schemas.openxmlformats.org/presentationml/2006/main">
   <p:cSld>
     <p:spTree>
@@ -3902,7 +5094,7 @@
 </p:sld>
 </file>
 
-<file path=ppt/slides/slide14.xml><?xml version="1.0" encoding="utf-8"?>
+<file path=ppt/slides/slide25.xml><?xml version="1.0" encoding="utf-8"?>
 <p:sld xmlns:a="http://schemas.openxmlformats.org/drawingml/2006/main" xmlns:r="http://schemas.openxmlformats.org/officeDocument/2006/relationships" xmlns:p="http://schemas.openxmlformats.org/presentationml/2006/main">
   <p:cSld>
     <p:spTree>
@@ -3972,7 +5164,7 @@
 </p:sld>
 </file>
 
-<file path=ppt/slides/slide15.xml><?xml version="1.0" encoding="utf-8"?>
+<file path=ppt/slides/slide26.xml><?xml version="1.0" encoding="utf-8"?>
 <p:sld xmlns:a="http://schemas.openxmlformats.org/drawingml/2006/main" xmlns:r="http://schemas.openxmlformats.org/officeDocument/2006/relationships" xmlns:p="http://schemas.openxmlformats.org/presentationml/2006/main">
   <p:cSld>
     <p:spTree>
@@ -4053,7 +5245,7 @@
 </p:sld>
 </file>
 
-<file path=ppt/slides/slide16.xml><?xml version="1.0" encoding="utf-8"?>
+<file path=ppt/slides/slide27.xml><?xml version="1.0" encoding="utf-8"?>
 <p:sld xmlns:a="http://schemas.openxmlformats.org/drawingml/2006/main" xmlns:r="http://schemas.openxmlformats.org/officeDocument/2006/relationships" xmlns:p="http://schemas.openxmlformats.org/presentationml/2006/main">
   <p:cSld>
     <p:spTree>
@@ -4102,7 +5294,7 @@
 </p:sld>
 </file>
 
-<file path=ppt/slides/slide17.xml><?xml version="1.0" encoding="utf-8"?>
+<file path=ppt/slides/slide28.xml><?xml version="1.0" encoding="utf-8"?>
 <p:sld xmlns:a="http://schemas.openxmlformats.org/drawingml/2006/main" xmlns:r="http://schemas.openxmlformats.org/officeDocument/2006/relationships" xmlns:p="http://schemas.openxmlformats.org/presentationml/2006/main">
   <p:cSld>
     <p:spTree>
@@ -4121,20 +5313,15 @@
       </p:grpSpPr>
       <p:sp>
         <p:nvSpPr>
-          <p:cNvPr id="2" name="Title 1"/>
-          <p:cNvSpPr>
-            <a:spLocks noGrp="1"/>
-          </p:cNvSpPr>
-          <p:nvPr>
-            <p:ph type="title"/>
-          </p:nvPr>
-        </p:nvSpPr>
-        <p:spPr>
-          <a:xfrm>
-            <a:off x="722313" y="3305176"/>
-            <a:ext cx="7772400" cy="1021556"/>
-          </a:xfrm>
-        </p:spPr>
+          <p:cNvPr id="3" name="Content Placeholder 2"/>
+          <p:cNvSpPr>
+            <a:spLocks noGrp="1"/>
+          </p:cNvSpPr>
+          <p:nvPr>
+            <p:ph idx="1"/>
+          </p:nvPr>
+        </p:nvSpPr>
+        <p:spPr/>
         <p:txBody>
           <a:bodyPr/>
           <a:lstStyle/>
@@ -4144,7 +5331,7 @@
             </a:pPr>
             <a:r>
               <a:rPr/>
-              <a:t>Part II: Content</a:t>
+              <a:t>The quantification of information can help us understand and represent important situations. We’ll begin by exploring the concept of a set, and how it is defined in mathematics and used to frame various situations.</a:t>
             </a:r>
           </a:p>
         </p:txBody>
@@ -4154,54 +5341,7 @@
 </p:sld>
 </file>
 
-<file path=ppt/slides/slide18.xml><?xml version="1.0" encoding="utf-8"?>
-<p:sld xmlns:a="http://schemas.openxmlformats.org/drawingml/2006/main" xmlns:r="http://schemas.openxmlformats.org/officeDocument/2006/relationships" xmlns:p="http://schemas.openxmlformats.org/presentationml/2006/main">
-  <p:cSld>
-    <p:spTree>
-      <p:nvGrpSpPr>
-        <p:cNvPr id="1" name=""/>
-        <p:cNvGrpSpPr/>
-        <p:nvPr/>
-      </p:nvGrpSpPr>
-      <p:grpSpPr>
-        <a:xfrm>
-          <a:off x="0" y="0"/>
-          <a:ext cx="0" cy="0"/>
-          <a:chOff x="0" y="0"/>
-          <a:chExt cx="0" cy="0"/>
-        </a:xfrm>
-      </p:grpSpPr>
-      <p:sp>
-        <p:nvSpPr>
-          <p:cNvPr id="3" name="Content Placeholder 2"/>
-          <p:cNvSpPr>
-            <a:spLocks noGrp="1"/>
-          </p:cNvSpPr>
-          <p:nvPr>
-            <p:ph idx="1"/>
-          </p:nvPr>
-        </p:nvSpPr>
-        <p:spPr/>
-        <p:txBody>
-          <a:bodyPr/>
-          <a:lstStyle/>
-          <a:p>
-            <a:pPr lvl="0" indent="0" marL="0">
-              <a:buNone/>
-            </a:pPr>
-            <a:r>
-              <a:rPr/>
-              <a:t>The quantification of information can help us understand and represent important situations. We’ll begin by exploring the concept of a set, and how it is defined in mathematics and used to frame various situations.</a:t>
-            </a:r>
-          </a:p>
-        </p:txBody>
-      </p:sp>
-    </p:spTree>
-  </p:cSld>
-</p:sld>
-</file>
-
-<file path=ppt/slides/slide19.xml><?xml version="1.0" encoding="utf-8"?>
+<file path=ppt/slides/slide29.xml><?xml version="1.0" encoding="utf-8"?>
 <p:sld xmlns:a="http://schemas.openxmlformats.org/drawingml/2006/main" xmlns:r="http://schemas.openxmlformats.org/officeDocument/2006/relationships" xmlns:p="http://schemas.openxmlformats.org/presentationml/2006/main">
   <p:cSld>
     <p:spTree>
@@ -4335,7 +5475,7 @@
 </p:sld>
 </file>
 
-<file path=ppt/slides/slide2.xml><?xml version="1.0" encoding="utf-8"?>
+<file path=ppt/slides/slide3.xml><?xml version="1.0" encoding="utf-8"?>
 <p:sld xmlns:a="http://schemas.openxmlformats.org/drawingml/2006/main" xmlns:r="http://schemas.openxmlformats.org/officeDocument/2006/relationships" xmlns:p="http://schemas.openxmlformats.org/presentationml/2006/main">
   <p:cSld>
     <p:spTree>
@@ -4362,12 +5502,7 @@
             <p:ph type="title"/>
           </p:nvPr>
         </p:nvSpPr>
-        <p:spPr>
-          <a:xfrm>
-            <a:off x="722313" y="3305176"/>
-            <a:ext cx="7772400" cy="1021556"/>
-          </a:xfrm>
-        </p:spPr>
+        <p:spPr/>
         <p:txBody>
           <a:bodyPr/>
           <a:lstStyle/>
@@ -4377,7 +5512,71 @@
             </a:pPr>
             <a:r>
               <a:rPr/>
-              <a:t>Part I: Context</a:t>
+              <a:t>What is Statistics?</a:t>
+            </a:r>
+          </a:p>
+        </p:txBody>
+      </p:sp>
+      <p:sp>
+        <p:nvSpPr>
+          <p:cNvPr id="3" name="Content Placeholder 2"/>
+          <p:cNvSpPr>
+            <a:spLocks noGrp="1"/>
+          </p:cNvSpPr>
+          <p:nvPr>
+            <p:ph idx="1"/>
+          </p:nvPr>
+        </p:nvSpPr>
+        <p:spPr/>
+        <p:txBody>
+          <a:bodyPr/>
+          <a:lstStyle/>
+          <a:p>
+            <a:pPr lvl="0" indent="0" marL="0">
+              <a:buNone/>
+            </a:pPr>
+            <a:r>
+              <a:rPr/>
+              <a:t>Statistics is a science. As a result, it follows a set of well-defined steps or methods. As we explore new terms and definitions, we will gain a better understanding of what statistics encompasses.</a:t>
+            </a:r>
+          </a:p>
+          <a:p>
+            <a:pPr lvl="0" indent="0" marL="1270000">
+              <a:buNone/>
+            </a:pPr>
+            <a:r>
+              <a:rPr sz="2000" b="1"/>
+              <a:t>DEFINITION: Statistics</a:t>
+            </a:r>
+          </a:p>
+          <a:p>
+            <a:pPr lvl="0" indent="0" marL="1270000">
+              <a:buNone/>
+            </a:pPr>
+            <a:r>
+              <a:rPr sz="2000" b="1"/>
+              <a:t>Statistics</a:t>
+            </a:r>
+            <a:r>
+              <a:rPr sz="2000"/>
+              <a:t> is the science of collecting, organizing, analyzing, interpreting, communicating, and visualizing data and information.</a:t>
+            </a:r>
+          </a:p>
+          <a:p>
+            <a:pPr lvl="0" indent="0" marL="0">
+              <a:buNone/>
+            </a:pPr>
+            <a:r>
+              <a:rPr/>
+              <a:t>There are a multitude of ways to describe the steps, terms, and various processes undertaken in a statistical study. Importantly, however, modern statistics calls for more critical questions where we explore difference or change within specified contexts. We then use theory and concepts of variation to understand differences within or between a set (or sets) of measurements, resulting in a more </a:t>
+            </a:r>
+            <a:r>
+              <a:rPr i="1"/>
+              <a:t>critical</a:t>
+            </a:r>
+            <a:r>
+              <a:rPr/>
+              <a:t> orientation to statistics.</a:t>
             </a:r>
           </a:p>
         </p:txBody>
@@ -4387,7 +5586,7 @@
 </p:sld>
 </file>
 
-<file path=ppt/slides/slide20.xml><?xml version="1.0" encoding="utf-8"?>
+<file path=ppt/slides/slide30.xml><?xml version="1.0" encoding="utf-8"?>
 <p:sld xmlns:a="http://schemas.openxmlformats.org/drawingml/2006/main" xmlns:r="http://schemas.openxmlformats.org/officeDocument/2006/relationships" xmlns:p="http://schemas.openxmlformats.org/presentationml/2006/main">
   <p:cSld>
     <p:spTree>
@@ -4946,7 +6145,7 @@
 </p:sld>
 </file>
 
-<file path=ppt/slides/slide21.xml><?xml version="1.0" encoding="utf-8"?>
+<file path=ppt/slides/slide31.xml><?xml version="1.0" encoding="utf-8"?>
 <p:sld xmlns:a="http://schemas.openxmlformats.org/drawingml/2006/main" xmlns:r="http://schemas.openxmlformats.org/officeDocument/2006/relationships" xmlns:p="http://schemas.openxmlformats.org/presentationml/2006/main">
   <p:cSld>
     <p:spTree>
@@ -5381,7 +6580,7 @@
 </p:sld>
 </file>
 
-<file path=ppt/slides/slide22.xml><?xml version="1.0" encoding="utf-8"?>
+<file path=ppt/slides/slide32.xml><?xml version="1.0" encoding="utf-8"?>
 <p:sld xmlns:a="http://schemas.openxmlformats.org/drawingml/2006/main" xmlns:r="http://schemas.openxmlformats.org/officeDocument/2006/relationships" xmlns:p="http://schemas.openxmlformats.org/presentationml/2006/main">
   <p:cSld>
     <p:spTree>
@@ -5478,7 +6677,7 @@
 </p:sld>
 </file>
 
-<file path=ppt/slides/slide23.xml><?xml version="1.0" encoding="utf-8"?>
+<file path=ppt/slides/slide33.xml><?xml version="1.0" encoding="utf-8"?>
 <p:sld xmlns:a="http://schemas.openxmlformats.org/drawingml/2006/main" xmlns:r="http://schemas.openxmlformats.org/officeDocument/2006/relationships" xmlns:p="http://schemas.openxmlformats.org/presentationml/2006/main">
   <p:cSld>
     <p:spTree>
@@ -6016,7 +7215,7 @@
 </p:sld>
 </file>
 
-<file path=ppt/slides/slide24.xml><?xml version="1.0" encoding="utf-8"?>
+<file path=ppt/slides/slide34.xml><?xml version="1.0" encoding="utf-8"?>
 <p:sld xmlns:a="http://schemas.openxmlformats.org/drawingml/2006/main" xmlns:r="http://schemas.openxmlformats.org/officeDocument/2006/relationships" xmlns:p="http://schemas.openxmlformats.org/presentationml/2006/main">
   <p:cSld>
     <p:spTree>
@@ -6433,670 +7632,6 @@
 </p:sld>
 </file>
 
-<file path=ppt/slides/slide25.xml><?xml version="1.0" encoding="utf-8"?>
-<p:sld xmlns:a="http://schemas.openxmlformats.org/drawingml/2006/main" xmlns:r="http://schemas.openxmlformats.org/officeDocument/2006/relationships" xmlns:p="http://schemas.openxmlformats.org/presentationml/2006/main">
-  <p:cSld>
-    <p:spTree>
-      <p:nvGrpSpPr>
-        <p:cNvPr id="1" name=""/>
-        <p:cNvGrpSpPr/>
-        <p:nvPr/>
-      </p:nvGrpSpPr>
-      <p:grpSpPr>
-        <a:xfrm>
-          <a:off x="0" y="0"/>
-          <a:ext cx="0" cy="0"/>
-          <a:chOff x="0" y="0"/>
-          <a:chExt cx="0" cy="0"/>
-        </a:xfrm>
-      </p:grpSpPr>
-      <p:sp>
-        <p:nvSpPr>
-          <p:cNvPr id="2" name="Title 1"/>
-          <p:cNvSpPr>
-            <a:spLocks noGrp="1"/>
-          </p:cNvSpPr>
-          <p:nvPr>
-            <p:ph type="title"/>
-          </p:nvPr>
-        </p:nvSpPr>
-        <p:spPr>
-          <a:xfrm>
-            <a:off x="722313" y="3305176"/>
-            <a:ext cx="7772400" cy="1021556"/>
-          </a:xfrm>
-        </p:spPr>
-        <p:txBody>
-          <a:bodyPr/>
-          <a:lstStyle/>
-          <a:p>
-            <a:pPr lvl="0" indent="0" marL="0">
-              <a:buNone/>
-            </a:pPr>
-            <a:r>
-              <a:rPr/>
-              <a:t>Part III: Code</a:t>
-            </a:r>
-          </a:p>
-        </p:txBody>
-      </p:sp>
-    </p:spTree>
-  </p:cSld>
-</p:sld>
-</file>
-
-<file path=ppt/slides/slide26.xml><?xml version="1.0" encoding="utf-8"?>
-<p:sld xmlns:a="http://schemas.openxmlformats.org/drawingml/2006/main" xmlns:r="http://schemas.openxmlformats.org/officeDocument/2006/relationships" xmlns:p="http://schemas.openxmlformats.org/presentationml/2006/main">
-  <p:cSld>
-    <p:spTree>
-      <p:nvGrpSpPr>
-        <p:cNvPr id="1" name=""/>
-        <p:cNvGrpSpPr/>
-        <p:nvPr/>
-      </p:nvGrpSpPr>
-      <p:grpSpPr>
-        <a:xfrm>
-          <a:off x="0" y="0"/>
-          <a:ext cx="0" cy="0"/>
-          <a:chOff x="0" y="0"/>
-          <a:chExt cx="0" cy="0"/>
-        </a:xfrm>
-      </p:grpSpPr>
-      <p:sp>
-        <p:nvSpPr>
-          <p:cNvPr id="2" name="Title 1"/>
-          <p:cNvSpPr>
-            <a:spLocks noGrp="1"/>
-          </p:cNvSpPr>
-          <p:nvPr>
-            <p:ph type="title"/>
-          </p:nvPr>
-        </p:nvSpPr>
-        <p:spPr/>
-        <p:txBody>
-          <a:bodyPr/>
-          <a:lstStyle/>
-          <a:p>
-            <a:pPr lvl="0" indent="0" marL="0">
-              <a:buNone/>
-            </a:pPr>
-            <a:r>
-              <a:rPr/>
-              <a:t>Getting started in RStudio</a:t>
-            </a:r>
-          </a:p>
-        </p:txBody>
-      </p:sp>
-      <p:sp>
-        <p:nvSpPr>
-          <p:cNvPr id="3" name="Content Placeholder 2"/>
-          <p:cNvSpPr>
-            <a:spLocks noGrp="1"/>
-          </p:cNvSpPr>
-          <p:nvPr>
-            <p:ph idx="1"/>
-          </p:nvPr>
-        </p:nvSpPr>
-        <p:spPr/>
-        <p:txBody>
-          <a:bodyPr/>
-          <a:lstStyle/>
-          <a:p>
-            <a:pPr lvl="0" indent="0" marL="0">
-              <a:buNone/>
-            </a:pPr>
-            <a:r>
-              <a:rPr/>
-              <a:t>In </a:t>
-            </a:r>
-            <a:r>
-              <a:rPr>
-                <a:hlinkClick r:id="rId2"/>
-              </a:rPr>
-              <a:t>Lab 0</a:t>
-            </a:r>
-            <a:r>
-              <a:rPr/>
-              <a:t>, you downloaded and installed base R and RStudio. In this section, we will learn more about R and RStudio.</a:t>
-            </a:r>
-          </a:p>
-          <a:p>
-            <a:pPr lvl="0" indent="0" marL="0">
-              <a:buNone/>
-            </a:pPr>
-            <a:r>
-              <a:rPr/>
-              <a:t>Let’s start with a little fun!</a:t>
-            </a:r>
-          </a:p>
-        </p:txBody>
-      </p:sp>
-    </p:spTree>
-  </p:cSld>
-</p:sld>
-</file>
-
-<file path=ppt/slides/slide27.xml><?xml version="1.0" encoding="utf-8"?>
-<p:sld xmlns:a="http://schemas.openxmlformats.org/drawingml/2006/main" xmlns:r="http://schemas.openxmlformats.org/officeDocument/2006/relationships" xmlns:p="http://schemas.openxmlformats.org/presentationml/2006/main">
-  <p:cSld>
-    <p:spTree>
-      <p:nvGrpSpPr>
-        <p:cNvPr id="1" name=""/>
-        <p:cNvGrpSpPr/>
-        <p:nvPr/>
-      </p:nvGrpSpPr>
-      <p:grpSpPr>
-        <a:xfrm>
-          <a:off x="0" y="0"/>
-          <a:ext cx="0" cy="0"/>
-          <a:chOff x="0" y="0"/>
-          <a:chExt cx="0" cy="0"/>
-        </a:xfrm>
-      </p:grpSpPr>
-      <p:sp>
-        <p:nvSpPr>
-          <p:cNvPr id="3" name="Content Placeholder 2"/>
-          <p:cNvSpPr>
-            <a:spLocks noGrp="1"/>
-          </p:cNvSpPr>
-          <p:nvPr>
-            <p:ph idx="1"/>
-          </p:nvPr>
-        </p:nvSpPr>
-        <p:spPr/>
-        <p:txBody>
-          <a:bodyPr/>
-          <a:lstStyle/>
-          <a:p>
-            <a:pPr lvl="0" indent="0" marL="0">
-              <a:buNone/>
-            </a:pPr>
-            <a:r>
-              <a:rPr/>
-              <a:t>First, install the ‘praise’ package.</a:t>
-            </a:r>
-          </a:p>
-        </p:txBody>
-      </p:sp>
-    </p:spTree>
-  </p:cSld>
-</p:sld>
-</file>
-
-<file path=ppt/slides/slide28.xml><?xml version="1.0" encoding="utf-8"?>
-<p:sld xmlns:a="http://schemas.openxmlformats.org/drawingml/2006/main" xmlns:r="http://schemas.openxmlformats.org/officeDocument/2006/relationships" xmlns:p="http://schemas.openxmlformats.org/presentationml/2006/main">
-  <p:cSld>
-    <p:spTree>
-      <p:nvGrpSpPr>
-        <p:cNvPr id="1" name=""/>
-        <p:cNvGrpSpPr/>
-        <p:nvPr/>
-      </p:nvGrpSpPr>
-      <p:grpSpPr>
-        <a:xfrm>
-          <a:off x="0" y="0"/>
-          <a:ext cx="0" cy="0"/>
-          <a:chOff x="0" y="0"/>
-          <a:chExt cx="0" cy="0"/>
-        </a:xfrm>
-      </p:grpSpPr>
-      <p:sp>
-        <p:nvSpPr>
-          <p:cNvPr id="3" name="Content Placeholder 2"/>
-          <p:cNvSpPr>
-            <a:spLocks noGrp="1"/>
-          </p:cNvSpPr>
-          <p:nvPr>
-            <p:ph idx="1"/>
-          </p:nvPr>
-        </p:nvSpPr>
-        <p:spPr/>
-        <p:txBody>
-          <a:bodyPr/>
-          <a:lstStyle/>
-          <a:p>
-            <a:pPr lvl="0" indent="0" marL="0">
-              <a:buNone/>
-            </a:pPr>
-            <a:r>
-              <a:rPr/>
-              <a:t>Next, load the library for the ‘praise’ package.</a:t>
-            </a:r>
-          </a:p>
-        </p:txBody>
-      </p:sp>
-    </p:spTree>
-  </p:cSld>
-</p:sld>
-</file>
-
-<file path=ppt/slides/slide29.xml><?xml version="1.0" encoding="utf-8"?>
-<p:sld xmlns:a="http://schemas.openxmlformats.org/drawingml/2006/main" xmlns:r="http://schemas.openxmlformats.org/officeDocument/2006/relationships" xmlns:p="http://schemas.openxmlformats.org/presentationml/2006/main">
-  <p:cSld>
-    <p:spTree>
-      <p:nvGrpSpPr>
-        <p:cNvPr id="1" name=""/>
-        <p:cNvGrpSpPr/>
-        <p:nvPr/>
-      </p:nvGrpSpPr>
-      <p:grpSpPr>
-        <a:xfrm>
-          <a:off x="0" y="0"/>
-          <a:ext cx="0" cy="0"/>
-          <a:chOff x="0" y="0"/>
-          <a:chExt cx="0" cy="0"/>
-        </a:xfrm>
-      </p:grpSpPr>
-      <p:sp>
-        <p:nvSpPr>
-          <p:cNvPr id="3" name="Content Placeholder 2"/>
-          <p:cNvSpPr>
-            <a:spLocks noGrp="1"/>
-          </p:cNvSpPr>
-          <p:nvPr>
-            <p:ph idx="1"/>
-          </p:nvPr>
-        </p:nvSpPr>
-        <p:spPr/>
-        <p:txBody>
-          <a:bodyPr/>
-          <a:lstStyle/>
-          <a:p>
-            <a:pPr lvl="0" indent="0" marL="0">
-              <a:buNone/>
-            </a:pPr>
-            <a:r>
-              <a:rPr/>
-              <a:t>Now, get some praise!</a:t>
-            </a:r>
-          </a:p>
-          <a:p>
-            <a:pPr lvl="0" indent="0" marL="0">
-              <a:buNone/>
-            </a:pPr>
-            <a:r>
-              <a:rPr/>
-              <a:t>You can keep inserting the code above to get praise when you need it!</a:t>
-            </a:r>
-          </a:p>
-        </p:txBody>
-      </p:sp>
-    </p:spTree>
-  </p:cSld>
-</p:sld>
-</file>
-
-<file path=ppt/slides/slide3.xml><?xml version="1.0" encoding="utf-8"?>
-<p:sld xmlns:a="http://schemas.openxmlformats.org/drawingml/2006/main" xmlns:r="http://schemas.openxmlformats.org/officeDocument/2006/relationships" xmlns:p="http://schemas.openxmlformats.org/presentationml/2006/main">
-  <p:cSld>
-    <p:spTree>
-      <p:nvGrpSpPr>
-        <p:cNvPr id="1" name=""/>
-        <p:cNvGrpSpPr/>
-        <p:nvPr/>
-      </p:nvGrpSpPr>
-      <p:grpSpPr>
-        <a:xfrm>
-          <a:off x="0" y="0"/>
-          <a:ext cx="0" cy="0"/>
-          <a:chOff x="0" y="0"/>
-          <a:chExt cx="0" cy="0"/>
-        </a:xfrm>
-      </p:grpSpPr>
-      <p:sp>
-        <p:nvSpPr>
-          <p:cNvPr id="2" name="Title 1"/>
-          <p:cNvSpPr>
-            <a:spLocks noGrp="1"/>
-          </p:cNvSpPr>
-          <p:nvPr>
-            <p:ph type="title"/>
-          </p:nvPr>
-        </p:nvSpPr>
-        <p:spPr/>
-        <p:txBody>
-          <a:bodyPr/>
-          <a:lstStyle/>
-          <a:p>
-            <a:pPr lvl="0" indent="0" marL="0">
-              <a:buNone/>
-            </a:pPr>
-            <a:r>
-              <a:rPr/>
-              <a:t>What is statistics?</a:t>
-            </a:r>
-          </a:p>
-        </p:txBody>
-      </p:sp>
-      <p:sp>
-        <p:nvSpPr>
-          <p:cNvPr id="3" name="Content Placeholder 2"/>
-          <p:cNvSpPr>
-            <a:spLocks noGrp="1"/>
-          </p:cNvSpPr>
-          <p:nvPr>
-            <p:ph idx="1"/>
-          </p:nvPr>
-        </p:nvSpPr>
-        <p:spPr/>
-        <p:txBody>
-          <a:bodyPr/>
-          <a:lstStyle/>
-          <a:p>
-            <a:pPr lvl="0" indent="0" marL="0">
-              <a:buNone/>
-            </a:pPr>
-            <a:r>
-              <a:rPr/>
-              <a:t>Statistics is a science. As a result, it follows a set of well-defined steps or methods. As we explore new terms and definitions, we will gain a better understanding of what statistics encompasses.</a:t>
-            </a:r>
-          </a:p>
-          <a:p>
-            <a:pPr lvl="0" indent="0" marL="1270000">
-              <a:buNone/>
-            </a:pPr>
-            <a:r>
-              <a:rPr sz="2000" b="1"/>
-              <a:t>DEFINITION: Statistics</a:t>
-            </a:r>
-          </a:p>
-          <a:p>
-            <a:pPr lvl="0" indent="0" marL="1270000">
-              <a:buNone/>
-            </a:pPr>
-            <a:r>
-              <a:rPr sz="2000" b="1"/>
-              <a:t>Statistics</a:t>
-            </a:r>
-            <a:r>
-              <a:rPr sz="2000"/>
-              <a:t> is the science of collecting, organizing, analyzing, interpreting, communicating, and visualizing data and information.</a:t>
-            </a:r>
-          </a:p>
-          <a:p>
-            <a:pPr lvl="0" indent="0" marL="0">
-              <a:buNone/>
-            </a:pPr>
-            <a:r>
-              <a:rPr/>
-              <a:t>There are a multitude of ways to describe the steps, terms, and various processes undertaken in a statistical study. Importantly, statistics calls for questions where we explore difference or change. We use variation to understand differences within or between a set (or sets) of measurements.</a:t>
-            </a:r>
-          </a:p>
-        </p:txBody>
-      </p:sp>
-    </p:spTree>
-  </p:cSld>
-</p:sld>
-</file>
-
-<file path=ppt/slides/slide30.xml><?xml version="1.0" encoding="utf-8"?>
-<p:sld xmlns:a="http://schemas.openxmlformats.org/drawingml/2006/main" xmlns:r="http://schemas.openxmlformats.org/officeDocument/2006/relationships" xmlns:p="http://schemas.openxmlformats.org/presentationml/2006/main">
-  <p:cSld>
-    <p:spTree>
-      <p:nvGrpSpPr>
-        <p:cNvPr id="1" name=""/>
-        <p:cNvGrpSpPr/>
-        <p:nvPr/>
-      </p:nvGrpSpPr>
-      <p:grpSpPr>
-        <a:xfrm>
-          <a:off x="0" y="0"/>
-          <a:ext cx="0" cy="0"/>
-          <a:chOff x="0" y="0"/>
-          <a:chExt cx="0" cy="0"/>
-        </a:xfrm>
-      </p:grpSpPr>
-      <p:sp>
-        <p:nvSpPr>
-          <p:cNvPr id="2" name="Title 1"/>
-          <p:cNvSpPr>
-            <a:spLocks noGrp="1"/>
-          </p:cNvSpPr>
-          <p:nvPr>
-            <p:ph type="title"/>
-          </p:nvPr>
-        </p:nvSpPr>
-        <p:spPr/>
-        <p:txBody>
-          <a:bodyPr/>
-          <a:lstStyle/>
-          <a:p>
-            <a:pPr lvl="0" indent="0" marL="0">
-              <a:buNone/>
-            </a:pPr>
-            <a:r>
-              <a:rPr/>
-              <a:t>Arithmetic in R</a:t>
-            </a:r>
-          </a:p>
-        </p:txBody>
-      </p:sp>
-      <p:sp>
-        <p:nvSpPr>
-          <p:cNvPr id="3" name="Content Placeholder 2"/>
-          <p:cNvSpPr>
-            <a:spLocks noGrp="1"/>
-          </p:cNvSpPr>
-          <p:nvPr>
-            <p:ph idx="1"/>
-          </p:nvPr>
-        </p:nvSpPr>
-        <p:spPr/>
-        <p:txBody>
-          <a:bodyPr/>
-          <a:lstStyle/>
-          <a:p>
-            <a:pPr lvl="0" indent="0" marL="0">
-              <a:buNone/>
-            </a:pPr>
-            <a:r>
-              <a:rPr/>
-              <a:t>We will learn how to calculate values in R.</a:t>
-            </a:r>
-          </a:p>
-        </p:txBody>
-      </p:sp>
-    </p:spTree>
-  </p:cSld>
-</p:sld>
-</file>
-
-<file path=ppt/slides/slide31.xml><?xml version="1.0" encoding="utf-8"?>
-<p:sld xmlns:a="http://schemas.openxmlformats.org/drawingml/2006/main" xmlns:r="http://schemas.openxmlformats.org/officeDocument/2006/relationships" xmlns:p="http://schemas.openxmlformats.org/presentationml/2006/main">
-  <p:cSld>
-    <p:spTree>
-      <p:nvGrpSpPr>
-        <p:cNvPr id="1" name=""/>
-        <p:cNvGrpSpPr/>
-        <p:nvPr/>
-      </p:nvGrpSpPr>
-      <p:grpSpPr>
-        <a:xfrm>
-          <a:off x="0" y="0"/>
-          <a:ext cx="0" cy="0"/>
-          <a:chOff x="0" y="0"/>
-          <a:chExt cx="0" cy="0"/>
-        </a:xfrm>
-      </p:grpSpPr>
-      <p:sp>
-        <p:nvSpPr>
-          <p:cNvPr id="3" name="Content Placeholder 2"/>
-          <p:cNvSpPr>
-            <a:spLocks noGrp="1"/>
-          </p:cNvSpPr>
-          <p:nvPr>
-            <p:ph idx="1"/>
-          </p:nvPr>
-        </p:nvSpPr>
-        <p:spPr/>
-        <p:txBody>
-          <a:bodyPr/>
-          <a:lstStyle/>
-          <a:p>
-            <a:pPr lvl="0" indent="0">
-              <a:buNone/>
-            </a:pPr>
-            <a:r>
-              <a:rPr>
-                <a:latin typeface="Courier"/>
-              </a:rPr>
-              <a:t>[1] 3</a:t>
-            </a:r>
-          </a:p>
-        </p:txBody>
-      </p:sp>
-    </p:spTree>
-  </p:cSld>
-</p:sld>
-</file>
-
-<file path=ppt/slides/slide32.xml><?xml version="1.0" encoding="utf-8"?>
-<p:sld xmlns:a="http://schemas.openxmlformats.org/drawingml/2006/main" xmlns:r="http://schemas.openxmlformats.org/officeDocument/2006/relationships" xmlns:p="http://schemas.openxmlformats.org/presentationml/2006/main">
-  <p:cSld>
-    <p:spTree>
-      <p:nvGrpSpPr>
-        <p:cNvPr id="1" name=""/>
-        <p:cNvGrpSpPr/>
-        <p:nvPr/>
-      </p:nvGrpSpPr>
-      <p:grpSpPr>
-        <a:xfrm>
-          <a:off x="0" y="0"/>
-          <a:ext cx="0" cy="0"/>
-          <a:chOff x="0" y="0"/>
-          <a:chExt cx="0" cy="0"/>
-        </a:xfrm>
-      </p:grpSpPr>
-      <p:sp>
-        <p:nvSpPr>
-          <p:cNvPr id="3" name="Content Placeholder 2"/>
-          <p:cNvSpPr>
-            <a:spLocks noGrp="1"/>
-          </p:cNvSpPr>
-          <p:nvPr>
-            <p:ph idx="1"/>
-          </p:nvPr>
-        </p:nvSpPr>
-        <p:spPr/>
-        <p:txBody>
-          <a:bodyPr/>
-          <a:lstStyle/>
-          <a:p>
-            <a:pPr lvl="0" indent="0">
-              <a:buNone/>
-            </a:pPr>
-            <a:r>
-              <a:rPr>
-                <a:latin typeface="Courier"/>
-              </a:rPr>
-              <a:t>[1] -1</a:t>
-            </a:r>
-          </a:p>
-        </p:txBody>
-      </p:sp>
-    </p:spTree>
-  </p:cSld>
-</p:sld>
-</file>
-
-<file path=ppt/slides/slide33.xml><?xml version="1.0" encoding="utf-8"?>
-<p:sld xmlns:a="http://schemas.openxmlformats.org/drawingml/2006/main" xmlns:r="http://schemas.openxmlformats.org/officeDocument/2006/relationships" xmlns:p="http://schemas.openxmlformats.org/presentationml/2006/main">
-  <p:cSld>
-    <p:spTree>
-      <p:nvGrpSpPr>
-        <p:cNvPr id="1" name=""/>
-        <p:cNvGrpSpPr/>
-        <p:nvPr/>
-      </p:nvGrpSpPr>
-      <p:grpSpPr>
-        <a:xfrm>
-          <a:off x="0" y="0"/>
-          <a:ext cx="0" cy="0"/>
-          <a:chOff x="0" y="0"/>
-          <a:chExt cx="0" cy="0"/>
-        </a:xfrm>
-      </p:grpSpPr>
-      <p:sp>
-        <p:nvSpPr>
-          <p:cNvPr id="3" name="Content Placeholder 2"/>
-          <p:cNvSpPr>
-            <a:spLocks noGrp="1"/>
-          </p:cNvSpPr>
-          <p:nvPr>
-            <p:ph idx="1"/>
-          </p:nvPr>
-        </p:nvSpPr>
-        <p:spPr/>
-        <p:txBody>
-          <a:bodyPr/>
-          <a:lstStyle/>
-          <a:p>
-            <a:pPr lvl="0" indent="0">
-              <a:buNone/>
-            </a:pPr>
-            <a:r>
-              <a:rPr>
-                <a:latin typeface="Courier"/>
-              </a:rPr>
-              <a:t>[1] 12</a:t>
-            </a:r>
-          </a:p>
-        </p:txBody>
-      </p:sp>
-    </p:spTree>
-  </p:cSld>
-</p:sld>
-</file>
-
-<file path=ppt/slides/slide34.xml><?xml version="1.0" encoding="utf-8"?>
-<p:sld xmlns:a="http://schemas.openxmlformats.org/drawingml/2006/main" xmlns:r="http://schemas.openxmlformats.org/officeDocument/2006/relationships" xmlns:p="http://schemas.openxmlformats.org/presentationml/2006/main">
-  <p:cSld>
-    <p:spTree>
-      <p:nvGrpSpPr>
-        <p:cNvPr id="1" name=""/>
-        <p:cNvGrpSpPr/>
-        <p:nvPr/>
-      </p:nvGrpSpPr>
-      <p:grpSpPr>
-        <a:xfrm>
-          <a:off x="0" y="0"/>
-          <a:ext cx="0" cy="0"/>
-          <a:chOff x="0" y="0"/>
-          <a:chExt cx="0" cy="0"/>
-        </a:xfrm>
-      </p:grpSpPr>
-      <p:sp>
-        <p:nvSpPr>
-          <p:cNvPr id="3" name="Content Placeholder 2"/>
-          <p:cNvSpPr>
-            <a:spLocks noGrp="1"/>
-          </p:cNvSpPr>
-          <p:nvPr>
-            <p:ph idx="1"/>
-          </p:nvPr>
-        </p:nvSpPr>
-        <p:spPr/>
-        <p:txBody>
-          <a:bodyPr/>
-          <a:lstStyle/>
-          <a:p>
-            <a:pPr lvl="0" indent="0">
-              <a:buNone/>
-            </a:pPr>
-            <a:r>
-              <a:rPr>
-                <a:latin typeface="Courier"/>
-              </a:rPr>
-              <a:t>[1] 0.8</a:t>
-            </a:r>
-          </a:p>
-        </p:txBody>
-      </p:sp>
-    </p:spTree>
-  </p:cSld>
-</p:sld>
-</file>
-
 <file path=ppt/slides/slide35.xml><?xml version="1.0" encoding="utf-8"?>
 <p:sld xmlns:a="http://schemas.openxmlformats.org/drawingml/2006/main" xmlns:r="http://schemas.openxmlformats.org/officeDocument/2006/relationships" xmlns:p="http://schemas.openxmlformats.org/presentationml/2006/main">
   <p:cSld>
@@ -7116,27 +7651,30 @@
       </p:grpSpPr>
       <p:sp>
         <p:nvSpPr>
-          <p:cNvPr id="3" name="Content Placeholder 2"/>
-          <p:cNvSpPr>
-            <a:spLocks noGrp="1"/>
-          </p:cNvSpPr>
-          <p:nvPr>
-            <p:ph idx="1"/>
-          </p:nvPr>
-        </p:nvSpPr>
-        <p:spPr/>
-        <p:txBody>
-          <a:bodyPr/>
-          <a:lstStyle/>
-          <a:p>
-            <a:pPr lvl="0" indent="0">
+          <p:cNvPr id="2" name="Title 1"/>
+          <p:cNvSpPr>
+            <a:spLocks noGrp="1"/>
+          </p:cNvSpPr>
+          <p:nvPr>
+            <p:ph type="title"/>
+          </p:nvPr>
+        </p:nvSpPr>
+        <p:spPr>
+          <a:xfrm>
+            <a:off x="722313" y="3305176"/>
+            <a:ext cx="7772400" cy="1021556"/>
+          </a:xfrm>
+        </p:spPr>
+        <p:txBody>
+          <a:bodyPr/>
+          <a:lstStyle/>
+          <a:p>
+            <a:pPr lvl="0" indent="0" marL="0">
               <a:buNone/>
             </a:pPr>
             <a:r>
-              <a:rPr>
-                <a:latin typeface="Courier"/>
-              </a:rPr>
-              <a:t>[1] 5050</a:t>
+              <a:rPr/>
+              <a:t>Part III: Code</a:t>
             </a:r>
           </a:p>
         </p:txBody>
@@ -7183,7 +7721,7 @@
             </a:pPr>
             <a:r>
               <a:rPr/>
-              <a:t>Variables in R</a:t>
+              <a:t>Getting started in RStudio</a:t>
             </a:r>
           </a:p>
         </p:txBody>
@@ -7208,7 +7746,26 @@
             </a:pPr>
             <a:r>
               <a:rPr/>
-              <a:t>We will learn to give a variable (or character) a value.</a:t>
+              <a:t>In </a:t>
+            </a:r>
+            <a:r>
+              <a:rPr>
+                <a:hlinkClick r:id="rId2"/>
+              </a:rPr>
+              <a:t>Lab 0</a:t>
+            </a:r>
+            <a:r>
+              <a:rPr/>
+              <a:t>, you downloaded and installed base R and RStudio. In this section, we will learn more about R and RStudio.</a:t>
+            </a:r>
+          </a:p>
+          <a:p>
+            <a:pPr lvl="0" indent="0" marL="0">
+              <a:buNone/>
+            </a:pPr>
+            <a:r>
+              <a:rPr/>
+              <a:t>Let’s start with a little fun!</a:t>
             </a:r>
           </a:p>
         </p:txBody>
@@ -7255,18 +7812,7 @@
             </a:pPr>
             <a:r>
               <a:rPr/>
-              <a:t>Use the different assignment operators</a:t>
-            </a:r>
-          </a:p>
-          <a:p>
-            <a:pPr lvl="0" indent="0">
-              <a:buNone/>
-            </a:pPr>
-            <a:r>
-              <a:rPr>
-                <a:latin typeface="Courier"/>
-              </a:rPr>
-              <a:t>[1] 2</a:t>
+              <a:t>First, install the ‘praise’ package.</a:t>
             </a:r>
           </a:p>
         </p:txBody>
@@ -7313,18 +7859,7 @@
             </a:pPr>
             <a:r>
               <a:rPr/>
-              <a:t>Set x equal to two added to three</a:t>
-            </a:r>
-          </a:p>
-          <a:p>
-            <a:pPr lvl="0" indent="0">
-              <a:buNone/>
-            </a:pPr>
-            <a:r>
-              <a:rPr>
-                <a:latin typeface="Courier"/>
-              </a:rPr>
-              <a:t>[1] 5</a:t>
+              <a:t>Next, load the library for the ‘praise’ package.</a:t>
             </a:r>
           </a:p>
         </p:txBody>
@@ -7371,18 +7906,16 @@
             </a:pPr>
             <a:r>
               <a:rPr/>
-              <a:t>Set y equal to two minus three</a:t>
-            </a:r>
-          </a:p>
-          <a:p>
-            <a:pPr lvl="0" indent="0">
+              <a:t>Now, get some praise!</a:t>
+            </a:r>
+          </a:p>
+          <a:p>
+            <a:pPr lvl="0" indent="0" marL="0">
               <a:buNone/>
             </a:pPr>
             <a:r>
-              <a:rPr>
-                <a:latin typeface="Courier"/>
-              </a:rPr>
-              <a:t>[1] -1</a:t>
+              <a:rPr/>
+              <a:t>You can keep inserting the code above to get praise when you need it!</a:t>
             </a:r>
           </a:p>
         </p:txBody>
@@ -7411,6 +7944,31 @@
       </p:grpSpPr>
       <p:sp>
         <p:nvSpPr>
+          <p:cNvPr id="2" name="Title 1"/>
+          <p:cNvSpPr>
+            <a:spLocks noGrp="1"/>
+          </p:cNvSpPr>
+          <p:nvPr>
+            <p:ph type="title"/>
+          </p:nvPr>
+        </p:nvSpPr>
+        <p:spPr/>
+        <p:txBody>
+          <a:bodyPr/>
+          <a:lstStyle/>
+          <a:p>
+            <a:pPr lvl="0" indent="0" marL="0">
+              <a:buNone/>
+            </a:pPr>
+            <a:r>
+              <a:rPr/>
+              <a:t>What is Critical Statistics?</a:t>
+            </a:r>
+          </a:p>
+        </p:txBody>
+      </p:sp>
+      <p:sp>
+        <p:nvSpPr>
           <p:cNvPr id="3" name="Content Placeholder 2"/>
           <p:cNvSpPr>
             <a:spLocks noGrp="1"/>
@@ -7425,22 +7983,24 @@
           <a:lstStyle/>
           <a:p>
             <a:pPr lvl="0" indent="0" marL="0">
-              <a:spcBef>
-                <a:spcPts val="3000"/>
-              </a:spcBef>
               <a:buNone/>
             </a:pPr>
             <a:r>
-              <a:rPr b="1"/>
-              <a:t>Notes from </a:t>
-            </a:r>
-            <a:r>
-              <a:rPr b="1" i="1"/>
-              <a:t>Pelham (2013)</a:t>
-            </a:r>
-            <a:r>
-              <a:rPr b="1"/>
-              <a:t> reading</a:t>
+              <a:rPr/>
+              <a:t>In popular media, we might see information reported as follows:</a:t>
+            </a:r>
+          </a:p>
+          <a:p>
+            <a:pPr lvl="0" indent="0" marL="1270000">
+              <a:buNone/>
+            </a:pPr>
+            <a:r>
+              <a:rPr sz="2000" i="1"/>
+              <a:t>In 2022, college enrollment for 18-24 year-olds in the United States was 39%, a two percent decrease from 41% in 2012. The enrollment rate for those aged 18-24 in 2022 who were Black was 36%, which was lower than the rates for Asian students, which was 61%, and White students, which was 41%</a:t>
+            </a:r>
+            <a:r>
+              <a:rPr sz="2000"/>
+              <a:t>.</a:t>
             </a:r>
           </a:p>
           <a:p>
@@ -7449,49 +8009,28 @@
             </a:pPr>
             <a:r>
               <a:rPr/>
-              <a:t>“Statistics are a set of mathematical procedures for summarizing and interpreting observations” (p.5).</a:t>
-            </a:r>
-          </a:p>
-          <a:p>
-            <a:pPr lvl="0" indent="0" marL="0">
-              <a:buNone/>
-            </a:pPr>
-            <a:r>
-              <a:rPr b="1"/>
-              <a:t>Descriptive statistics</a:t>
-            </a:r>
-            <a:r>
-              <a:rPr/>
-              <a:t> vs. </a:t>
-            </a:r>
-            <a:r>
-              <a:rPr b="1"/>
-              <a:t>Inferential statistics</a:t>
-            </a:r>
-          </a:p>
-          <a:p>
-            <a:pPr lvl="0" indent="0" marL="0">
-              <a:buNone/>
-            </a:pPr>
-            <a:r>
-              <a:rPr/>
-              <a:t>Pelham describes </a:t>
-            </a:r>
-            <a:r>
-              <a:rPr i="1"/>
-              <a:t>descriptive</a:t>
-            </a:r>
-            <a:r>
-              <a:rPr/>
-              <a:t> statistics as “statistics used to summarize or describe a set of observations”, whereas </a:t>
-            </a:r>
-            <a:r>
-              <a:rPr i="1"/>
-              <a:t>inferential</a:t>
-            </a:r>
-            <a:r>
-              <a:rPr/>
-              <a:t> statistics are defined as “statistics used to draw inferences about a set of observations” (p. 5).</a:t>
+              <a:t>The data above is from the U.S. National Center for Education Statistics (NCES). While reading the paragraph, what were some of your opinions? What questions did you have?</a:t>
+            </a:r>
+          </a:p>
+          <a:p>
+            <a:pPr lvl="0"/>
+            <a:r>
+              <a:rPr/>
+              <a:t>How was enrollment defined and measured?</a:t>
+            </a:r>
+          </a:p>
+          <a:p>
+            <a:pPr lvl="0"/>
+            <a:r>
+              <a:rPr/>
+              <a:t>Should the differences be viewed as significant in some way?</a:t>
+            </a:r>
+          </a:p>
+          <a:p>
+            <a:pPr lvl="0"/>
+            <a:r>
+              <a:rPr/>
+              <a:t>Do the percents mean that some students are less likely to go to college?</a:t>
             </a:r>
           </a:p>
         </p:txBody>
@@ -7520,6 +8059,31 @@
       </p:grpSpPr>
       <p:sp>
         <p:nvSpPr>
+          <p:cNvPr id="2" name="Title 1"/>
+          <p:cNvSpPr>
+            <a:spLocks noGrp="1"/>
+          </p:cNvSpPr>
+          <p:nvPr>
+            <p:ph type="title"/>
+          </p:nvPr>
+        </p:nvSpPr>
+        <p:spPr/>
+        <p:txBody>
+          <a:bodyPr/>
+          <a:lstStyle/>
+          <a:p>
+            <a:pPr lvl="0" indent="0" marL="0">
+              <a:buNone/>
+            </a:pPr>
+            <a:r>
+              <a:rPr/>
+              <a:t>Arithmetic in R</a:t>
+            </a:r>
+          </a:p>
+        </p:txBody>
+      </p:sp>
+      <p:sp>
+        <p:nvSpPr>
           <p:cNvPr id="3" name="Content Placeholder 2"/>
           <p:cNvSpPr>
             <a:spLocks noGrp="1"/>
@@ -7538,18 +8102,7 @@
             </a:pPr>
             <a:r>
               <a:rPr/>
-              <a:t>Set z equal to two times three</a:t>
-            </a:r>
-          </a:p>
-          <a:p>
-            <a:pPr lvl="0" indent="0">
-              <a:buNone/>
-            </a:pPr>
-            <a:r>
-              <a:rPr>
-                <a:latin typeface="Courier"/>
-              </a:rPr>
-              <a:t>[1] 6</a:t>
+              <a:t>We will learn how to calculate values in R.</a:t>
             </a:r>
           </a:p>
         </p:txBody>
@@ -7591,15 +8144,6 @@
           <a:bodyPr/>
           <a:lstStyle/>
           <a:p>
-            <a:pPr lvl="0" indent="0" marL="0">
-              <a:buNone/>
-            </a:pPr>
-            <a:r>
-              <a:rPr/>
-              <a:t>Overwrite the value of y by setting y equal to x divided by z</a:t>
-            </a:r>
-          </a:p>
-          <a:p>
             <a:pPr lvl="0" indent="0">
               <a:buNone/>
             </a:pPr>
@@ -7607,7 +8151,7 @@
               <a:rPr>
                 <a:latin typeface="Courier"/>
               </a:rPr>
-              <a:t>[1] 0.8333333</a:t>
+              <a:t>[1] 3</a:t>
             </a:r>
           </a:p>
         </p:txBody>
@@ -7649,21 +8193,14 @@
           <a:bodyPr/>
           <a:lstStyle/>
           <a:p>
-            <a:pPr lvl="0" indent="0" marL="1270000">
+            <a:pPr lvl="0" indent="0">
               <a:buNone/>
             </a:pPr>
             <a:r>
-              <a:rPr sz="2000" b="1"/>
-              <a:t>Important</a:t>
-            </a:r>
-          </a:p>
-          <a:p>
-            <a:pPr lvl="0" indent="0" marL="1270000">
-              <a:buNone/>
-            </a:pPr>
-            <a:r>
-              <a:rPr sz="2000"/>
-              <a:t>Paper 1 is due on Monday September 16 at 11:59pm ET</a:t>
+              <a:rPr>
+                <a:latin typeface="Courier"/>
+              </a:rPr>
+              <a:t>[1] -1</a:t>
             </a:r>
           </a:p>
         </p:txBody>
@@ -7705,12 +8242,14 @@
           <a:bodyPr/>
           <a:lstStyle/>
           <a:p>
-            <a:pPr lvl="0" indent="0" marL="0">
+            <a:pPr lvl="0" indent="0">
               <a:buNone/>
             </a:pPr>
             <a:r>
-              <a:rPr/>
-              <a:t>In the next module, we will continue our explorations in R by learning how to load data sets into our data frame, and perform some basic operations using some additional packages. These packages will allow us to consider how we can construct original data sets to develop unique questions for our analysis.</a:t>
+              <a:rPr>
+                <a:latin typeface="Courier"/>
+              </a:rPr>
+              <a:t>[1] 12</a:t>
             </a:r>
           </a:p>
         </p:txBody>
@@ -7739,6 +8278,104 @@
       </p:grpSpPr>
       <p:sp>
         <p:nvSpPr>
+          <p:cNvPr id="3" name="Content Placeholder 2"/>
+          <p:cNvSpPr>
+            <a:spLocks noGrp="1"/>
+          </p:cNvSpPr>
+          <p:nvPr>
+            <p:ph idx="1"/>
+          </p:nvPr>
+        </p:nvSpPr>
+        <p:spPr/>
+        <p:txBody>
+          <a:bodyPr/>
+          <a:lstStyle/>
+          <a:p>
+            <a:pPr lvl="0" indent="0">
+              <a:buNone/>
+            </a:pPr>
+            <a:r>
+              <a:rPr>
+                <a:latin typeface="Courier"/>
+              </a:rPr>
+              <a:t>[1] 0.8</a:t>
+            </a:r>
+          </a:p>
+        </p:txBody>
+      </p:sp>
+    </p:spTree>
+  </p:cSld>
+</p:sld>
+</file>
+
+<file path=ppt/slides/slide45.xml><?xml version="1.0" encoding="utf-8"?>
+<p:sld xmlns:a="http://schemas.openxmlformats.org/drawingml/2006/main" xmlns:r="http://schemas.openxmlformats.org/officeDocument/2006/relationships" xmlns:p="http://schemas.openxmlformats.org/presentationml/2006/main">
+  <p:cSld>
+    <p:spTree>
+      <p:nvGrpSpPr>
+        <p:cNvPr id="1" name=""/>
+        <p:cNvGrpSpPr/>
+        <p:nvPr/>
+      </p:nvGrpSpPr>
+      <p:grpSpPr>
+        <a:xfrm>
+          <a:off x="0" y="0"/>
+          <a:ext cx="0" cy="0"/>
+          <a:chOff x="0" y="0"/>
+          <a:chExt cx="0" cy="0"/>
+        </a:xfrm>
+      </p:grpSpPr>
+      <p:sp>
+        <p:nvSpPr>
+          <p:cNvPr id="3" name="Content Placeholder 2"/>
+          <p:cNvSpPr>
+            <a:spLocks noGrp="1"/>
+          </p:cNvSpPr>
+          <p:nvPr>
+            <p:ph idx="1"/>
+          </p:nvPr>
+        </p:nvSpPr>
+        <p:spPr/>
+        <p:txBody>
+          <a:bodyPr/>
+          <a:lstStyle/>
+          <a:p>
+            <a:pPr lvl="0" indent="0">
+              <a:buNone/>
+            </a:pPr>
+            <a:r>
+              <a:rPr>
+                <a:latin typeface="Courier"/>
+              </a:rPr>
+              <a:t>[1] 5050</a:t>
+            </a:r>
+          </a:p>
+        </p:txBody>
+      </p:sp>
+    </p:spTree>
+  </p:cSld>
+</p:sld>
+</file>
+
+<file path=ppt/slides/slide46.xml><?xml version="1.0" encoding="utf-8"?>
+<p:sld xmlns:a="http://schemas.openxmlformats.org/drawingml/2006/main" xmlns:r="http://schemas.openxmlformats.org/officeDocument/2006/relationships" xmlns:p="http://schemas.openxmlformats.org/presentationml/2006/main">
+  <p:cSld>
+    <p:spTree>
+      <p:nvGrpSpPr>
+        <p:cNvPr id="1" name=""/>
+        <p:cNvGrpSpPr/>
+        <p:nvPr/>
+      </p:nvGrpSpPr>
+      <p:grpSpPr>
+        <a:xfrm>
+          <a:off x="0" y="0"/>
+          <a:ext cx="0" cy="0"/>
+          <a:chOff x="0" y="0"/>
+          <a:chExt cx="0" cy="0"/>
+        </a:xfrm>
+      </p:grpSpPr>
+      <p:sp>
+        <p:nvSpPr>
           <p:cNvPr id="2" name="Title 1"/>
           <p:cNvSpPr>
             <a:spLocks noGrp="1"/>
@@ -7747,12 +8384,7 @@
             <p:ph type="title"/>
           </p:nvPr>
         </p:nvSpPr>
-        <p:spPr>
-          <a:xfrm>
-            <a:off x="722313" y="3305176"/>
-            <a:ext cx="7772400" cy="1021556"/>
-          </a:xfrm>
-        </p:spPr>
+        <p:spPr/>
         <p:txBody>
           <a:bodyPr/>
           <a:lstStyle/>
@@ -7762,7 +8394,206 @@
             </a:pPr>
             <a:r>
               <a:rPr/>
-              <a:t>References</a:t>
+              <a:t>Variables in R</a:t>
+            </a:r>
+          </a:p>
+        </p:txBody>
+      </p:sp>
+      <p:sp>
+        <p:nvSpPr>
+          <p:cNvPr id="3" name="Content Placeholder 2"/>
+          <p:cNvSpPr>
+            <a:spLocks noGrp="1"/>
+          </p:cNvSpPr>
+          <p:nvPr>
+            <p:ph idx="1"/>
+          </p:nvPr>
+        </p:nvSpPr>
+        <p:spPr/>
+        <p:txBody>
+          <a:bodyPr/>
+          <a:lstStyle/>
+          <a:p>
+            <a:pPr lvl="0" indent="0" marL="0">
+              <a:buNone/>
+            </a:pPr>
+            <a:r>
+              <a:rPr/>
+              <a:t>We will learn to give a variable (or character) a value.</a:t>
+            </a:r>
+          </a:p>
+        </p:txBody>
+      </p:sp>
+    </p:spTree>
+  </p:cSld>
+</p:sld>
+</file>
+
+<file path=ppt/slides/slide47.xml><?xml version="1.0" encoding="utf-8"?>
+<p:sld xmlns:a="http://schemas.openxmlformats.org/drawingml/2006/main" xmlns:r="http://schemas.openxmlformats.org/officeDocument/2006/relationships" xmlns:p="http://schemas.openxmlformats.org/presentationml/2006/main">
+  <p:cSld>
+    <p:spTree>
+      <p:nvGrpSpPr>
+        <p:cNvPr id="1" name=""/>
+        <p:cNvGrpSpPr/>
+        <p:nvPr/>
+      </p:nvGrpSpPr>
+      <p:grpSpPr>
+        <a:xfrm>
+          <a:off x="0" y="0"/>
+          <a:ext cx="0" cy="0"/>
+          <a:chOff x="0" y="0"/>
+          <a:chExt cx="0" cy="0"/>
+        </a:xfrm>
+      </p:grpSpPr>
+      <p:sp>
+        <p:nvSpPr>
+          <p:cNvPr id="3" name="Content Placeholder 2"/>
+          <p:cNvSpPr>
+            <a:spLocks noGrp="1"/>
+          </p:cNvSpPr>
+          <p:nvPr>
+            <p:ph idx="1"/>
+          </p:nvPr>
+        </p:nvSpPr>
+        <p:spPr/>
+        <p:txBody>
+          <a:bodyPr/>
+          <a:lstStyle/>
+          <a:p>
+            <a:pPr lvl="0" indent="0" marL="0">
+              <a:buNone/>
+            </a:pPr>
+            <a:r>
+              <a:rPr/>
+              <a:t>Use the different assignment operators</a:t>
+            </a:r>
+          </a:p>
+          <a:p>
+            <a:pPr lvl="0" indent="0">
+              <a:buNone/>
+            </a:pPr>
+            <a:r>
+              <a:rPr>
+                <a:latin typeface="Courier"/>
+              </a:rPr>
+              <a:t>[1] 2</a:t>
+            </a:r>
+          </a:p>
+        </p:txBody>
+      </p:sp>
+    </p:spTree>
+  </p:cSld>
+</p:sld>
+</file>
+
+<file path=ppt/slides/slide48.xml><?xml version="1.0" encoding="utf-8"?>
+<p:sld xmlns:a="http://schemas.openxmlformats.org/drawingml/2006/main" xmlns:r="http://schemas.openxmlformats.org/officeDocument/2006/relationships" xmlns:p="http://schemas.openxmlformats.org/presentationml/2006/main">
+  <p:cSld>
+    <p:spTree>
+      <p:nvGrpSpPr>
+        <p:cNvPr id="1" name=""/>
+        <p:cNvGrpSpPr/>
+        <p:nvPr/>
+      </p:nvGrpSpPr>
+      <p:grpSpPr>
+        <a:xfrm>
+          <a:off x="0" y="0"/>
+          <a:ext cx="0" cy="0"/>
+          <a:chOff x="0" y="0"/>
+          <a:chExt cx="0" cy="0"/>
+        </a:xfrm>
+      </p:grpSpPr>
+      <p:sp>
+        <p:nvSpPr>
+          <p:cNvPr id="3" name="Content Placeholder 2"/>
+          <p:cNvSpPr>
+            <a:spLocks noGrp="1"/>
+          </p:cNvSpPr>
+          <p:nvPr>
+            <p:ph idx="1"/>
+          </p:nvPr>
+        </p:nvSpPr>
+        <p:spPr/>
+        <p:txBody>
+          <a:bodyPr/>
+          <a:lstStyle/>
+          <a:p>
+            <a:pPr lvl="0" indent="0" marL="0">
+              <a:buNone/>
+            </a:pPr>
+            <a:r>
+              <a:rPr/>
+              <a:t>Set x equal to two added to three</a:t>
+            </a:r>
+          </a:p>
+          <a:p>
+            <a:pPr lvl="0" indent="0">
+              <a:buNone/>
+            </a:pPr>
+            <a:r>
+              <a:rPr>
+                <a:latin typeface="Courier"/>
+              </a:rPr>
+              <a:t>[1] 5</a:t>
+            </a:r>
+          </a:p>
+        </p:txBody>
+      </p:sp>
+    </p:spTree>
+  </p:cSld>
+</p:sld>
+</file>
+
+<file path=ppt/slides/slide49.xml><?xml version="1.0" encoding="utf-8"?>
+<p:sld xmlns:a="http://schemas.openxmlformats.org/drawingml/2006/main" xmlns:r="http://schemas.openxmlformats.org/officeDocument/2006/relationships" xmlns:p="http://schemas.openxmlformats.org/presentationml/2006/main">
+  <p:cSld>
+    <p:spTree>
+      <p:nvGrpSpPr>
+        <p:cNvPr id="1" name=""/>
+        <p:cNvGrpSpPr/>
+        <p:nvPr/>
+      </p:nvGrpSpPr>
+      <p:grpSpPr>
+        <a:xfrm>
+          <a:off x="0" y="0"/>
+          <a:ext cx="0" cy="0"/>
+          <a:chOff x="0" y="0"/>
+          <a:chExt cx="0" cy="0"/>
+        </a:xfrm>
+      </p:grpSpPr>
+      <p:sp>
+        <p:nvSpPr>
+          <p:cNvPr id="3" name="Content Placeholder 2"/>
+          <p:cNvSpPr>
+            <a:spLocks noGrp="1"/>
+          </p:cNvSpPr>
+          <p:nvPr>
+            <p:ph idx="1"/>
+          </p:nvPr>
+        </p:nvSpPr>
+        <p:spPr/>
+        <p:txBody>
+          <a:bodyPr/>
+          <a:lstStyle/>
+          <a:p>
+            <a:pPr lvl="0" indent="0" marL="0">
+              <a:buNone/>
+            </a:pPr>
+            <a:r>
+              <a:rPr/>
+              <a:t>Set y equal to two minus three</a:t>
+            </a:r>
+          </a:p>
+          <a:p>
+            <a:pPr lvl="0" indent="0">
+              <a:buNone/>
+            </a:pPr>
+            <a:r>
+              <a:rPr>
+                <a:latin typeface="Courier"/>
+              </a:rPr>
+              <a:t>[1] -1</a:t>
             </a:r>
           </a:p>
         </p:txBody>
@@ -7805,57 +8636,83 @@
           <a:lstStyle/>
           <a:p>
             <a:pPr lvl="0" indent="0" marL="0">
-              <a:spcBef>
-                <a:spcPts val="3000"/>
-              </a:spcBef>
               <a:buNone/>
             </a:pPr>
             <a:r>
-              <a:rPr b="1"/>
-              <a:t>Descritpve measures</a:t>
-            </a:r>
-          </a:p>
-          <a:p>
-            <a:pPr lvl="0"/>
-            <a:r>
-              <a:rPr/>
-              <a:t>Central tendency: the “average” of a set of observations (i.e., mean, median, mode)</a:t>
-            </a:r>
-          </a:p>
-          <a:p>
-            <a:pPr lvl="0"/>
-            <a:r>
-              <a:rPr/>
-              <a:t>Dispersion: how data vary (i.e., range, variance, standard deviation)</a:t>
+              <a:rPr/>
+              <a:t>In traditional statistics, a quantitative research question is answered using the scientific method. A </a:t>
+            </a:r>
+            <a:r>
+              <a:rPr i="1"/>
+              <a:t>traditionalist</a:t>
+            </a:r>
+            <a:r>
+              <a:rPr/>
+              <a:t> may blindly follow the steps of this method, focusing on model selection and assumptions while also ignoring any broader social and historical contexts.</a:t>
             </a:r>
           </a:p>
           <a:p>
             <a:pPr lvl="0" indent="0" marL="0">
-              <a:spcBef>
-                <a:spcPts val="3000"/>
-              </a:spcBef>
               <a:buNone/>
             </a:pPr>
             <a:r>
-              <a:rPr b="1"/>
-              <a:t>EXAMPLE – entering values in R</a:t>
-            </a:r>
-          </a:p>
+              <a:rPr/>
+              <a:t>In the social sciences, for example, statistics continues to be used to perpetuate negative stereotypes – which does not simply give it a bad rap but it results in real-world harm to communities. Does this mean we are just in need of </a:t>
+            </a:r>
+            <a:r>
+              <a:rPr i="1"/>
+              <a:t>critical</a:t>
+            </a:r>
+            <a:r>
+              <a:rPr/>
+              <a:t> statistics?</a:t>
+            </a:r>
+          </a:p>
+        </p:txBody>
+      </p:sp>
+    </p:spTree>
+  </p:cSld>
+</p:sld>
+</file>
+
+<file path=ppt/slides/slide50.xml><?xml version="1.0" encoding="utf-8"?>
+<p:sld xmlns:a="http://schemas.openxmlformats.org/drawingml/2006/main" xmlns:r="http://schemas.openxmlformats.org/officeDocument/2006/relationships" xmlns:p="http://schemas.openxmlformats.org/presentationml/2006/main">
+  <p:cSld>
+    <p:spTree>
+      <p:nvGrpSpPr>
+        <p:cNvPr id="1" name=""/>
+        <p:cNvGrpSpPr/>
+        <p:nvPr/>
+      </p:nvGrpSpPr>
+      <p:grpSpPr>
+        <a:xfrm>
+          <a:off x="0" y="0"/>
+          <a:ext cx="0" cy="0"/>
+          <a:chOff x="0" y="0"/>
+          <a:chExt cx="0" cy="0"/>
+        </a:xfrm>
+      </p:grpSpPr>
+      <p:sp>
+        <p:nvSpPr>
+          <p:cNvPr id="3" name="Content Placeholder 2"/>
+          <p:cNvSpPr>
+            <a:spLocks noGrp="1"/>
+          </p:cNvSpPr>
+          <p:nvPr>
+            <p:ph idx="1"/>
+          </p:nvPr>
+        </p:nvSpPr>
+        <p:spPr/>
+        <p:txBody>
+          <a:bodyPr/>
+          <a:lstStyle/>
           <a:p>
             <a:pPr lvl="0" indent="0" marL="0">
               <a:buNone/>
             </a:pPr>
             <a:r>
               <a:rPr/>
-              <a:t>Assume we have a small set of data: 2, 2, 4, 4. We can input and compute this data in </a:t>
-            </a:r>
-            <a:r>
-              <a:rPr i="1"/>
-              <a:t>R</a:t>
-            </a:r>
-            <a:r>
-              <a:rPr/>
-              <a:t> using the following code:</a:t>
+              <a:t>Set z equal to two times three</a:t>
             </a:r>
           </a:p>
           <a:p>
@@ -7864,112 +8721,166 @@
             </a:pPr>
             <a:r>
               <a:rPr>
-                <a:solidFill>
-                  <a:srgbClr val="5E5E5E"/>
-                </a:solidFill>
                 <a:latin typeface="Courier"/>
               </a:rPr>
-              <a:t># Generate sample data</a:t>
-            </a:r>
-            <a:br/>
+              <a:t>[1] 6</a:t>
+            </a:r>
+          </a:p>
+        </p:txBody>
+      </p:sp>
+    </p:spTree>
+  </p:cSld>
+</p:sld>
+</file>
+
+<file path=ppt/slides/slide51.xml><?xml version="1.0" encoding="utf-8"?>
+<p:sld xmlns:a="http://schemas.openxmlformats.org/drawingml/2006/main" xmlns:r="http://schemas.openxmlformats.org/officeDocument/2006/relationships" xmlns:p="http://schemas.openxmlformats.org/presentationml/2006/main">
+  <p:cSld>
+    <p:spTree>
+      <p:nvGrpSpPr>
+        <p:cNvPr id="1" name=""/>
+        <p:cNvGrpSpPr/>
+        <p:nvPr/>
+      </p:nvGrpSpPr>
+      <p:grpSpPr>
+        <a:xfrm>
+          <a:off x="0" y="0"/>
+          <a:ext cx="0" cy="0"/>
+          <a:chOff x="0" y="0"/>
+          <a:chExt cx="0" cy="0"/>
+        </a:xfrm>
+      </p:grpSpPr>
+      <p:sp>
+        <p:nvSpPr>
+          <p:cNvPr id="3" name="Content Placeholder 2"/>
+          <p:cNvSpPr>
+            <a:spLocks noGrp="1"/>
+          </p:cNvSpPr>
+          <p:nvPr>
+            <p:ph idx="1"/>
+          </p:nvPr>
+        </p:nvSpPr>
+        <p:spPr/>
+        <p:txBody>
+          <a:bodyPr/>
+          <a:lstStyle/>
+          <a:p>
+            <a:pPr lvl="0" indent="0" marL="0">
+              <a:buNone/>
+            </a:pPr>
+            <a:r>
+              <a:rPr/>
+              <a:t>Overwrite the value of y by setting y equal to x divided by z</a:t>
+            </a:r>
+          </a:p>
+          <a:p>
+            <a:pPr lvl="0" indent="0">
+              <a:buNone/>
+            </a:pPr>
             <a:r>
               <a:rPr>
-                <a:solidFill>
-                  <a:srgbClr val="003B4F"/>
-                </a:solidFill>
                 <a:latin typeface="Courier"/>
               </a:rPr>
-              <a:t>x &lt;- </a:t>
-            </a:r>
-            <a:r>
-              <a:rPr>
-                <a:solidFill>
-                  <a:srgbClr val="4758AB"/>
-                </a:solidFill>
-                <a:latin typeface="Courier"/>
-              </a:rPr>
-              <a:t>c</a:t>
-            </a:r>
-            <a:r>
-              <a:rPr>
-                <a:solidFill>
-                  <a:srgbClr val="003B4F"/>
-                </a:solidFill>
-                <a:latin typeface="Courier"/>
-              </a:rPr>
-              <a:t>(</a:t>
-            </a:r>
-            <a:r>
-              <a:rPr>
-                <a:solidFill>
-                  <a:srgbClr val="AD0000"/>
-                </a:solidFill>
-                <a:latin typeface="Courier"/>
-              </a:rPr>
-              <a:t>2</a:t>
-            </a:r>
-            <a:r>
-              <a:rPr>
-                <a:solidFill>
-                  <a:srgbClr val="003B4F"/>
-                </a:solidFill>
-                <a:latin typeface="Courier"/>
-              </a:rPr>
-              <a:t>, </a:t>
-            </a:r>
-            <a:r>
-              <a:rPr>
-                <a:solidFill>
-                  <a:srgbClr val="AD0000"/>
-                </a:solidFill>
-                <a:latin typeface="Courier"/>
-              </a:rPr>
-              <a:t>2</a:t>
-            </a:r>
-            <a:r>
-              <a:rPr>
-                <a:solidFill>
-                  <a:srgbClr val="003B4F"/>
-                </a:solidFill>
-                <a:latin typeface="Courier"/>
-              </a:rPr>
-              <a:t>, </a:t>
-            </a:r>
-            <a:r>
-              <a:rPr>
-                <a:solidFill>
-                  <a:srgbClr val="AD0000"/>
-                </a:solidFill>
-                <a:latin typeface="Courier"/>
-              </a:rPr>
-              <a:t>4</a:t>
-            </a:r>
-            <a:r>
-              <a:rPr>
-                <a:solidFill>
-                  <a:srgbClr val="003B4F"/>
-                </a:solidFill>
-                <a:latin typeface="Courier"/>
-              </a:rPr>
-              <a:t>, </a:t>
-            </a:r>
-            <a:r>
-              <a:rPr>
-                <a:solidFill>
-                  <a:srgbClr val="AD0000"/>
-                </a:solidFill>
-                <a:latin typeface="Courier"/>
-              </a:rPr>
-              <a:t>4</a:t>
-            </a:r>
-            <a:r>
-              <a:rPr>
-                <a:solidFill>
-                  <a:srgbClr val="003B4F"/>
-                </a:solidFill>
-                <a:latin typeface="Courier"/>
-              </a:rPr>
-              <a:t>)</a:t>
+              <a:t>[1] 0.8333333</a:t>
+            </a:r>
+          </a:p>
+        </p:txBody>
+      </p:sp>
+    </p:spTree>
+  </p:cSld>
+</p:sld>
+</file>
+
+<file path=ppt/slides/slide52.xml><?xml version="1.0" encoding="utf-8"?>
+<p:sld xmlns:a="http://schemas.openxmlformats.org/drawingml/2006/main" xmlns:r="http://schemas.openxmlformats.org/officeDocument/2006/relationships" xmlns:p="http://schemas.openxmlformats.org/presentationml/2006/main">
+  <p:cSld>
+    <p:spTree>
+      <p:nvGrpSpPr>
+        <p:cNvPr id="1" name=""/>
+        <p:cNvGrpSpPr/>
+        <p:nvPr/>
+      </p:nvGrpSpPr>
+      <p:grpSpPr>
+        <a:xfrm>
+          <a:off x="0" y="0"/>
+          <a:ext cx="0" cy="0"/>
+          <a:chOff x="0" y="0"/>
+          <a:chExt cx="0" cy="0"/>
+        </a:xfrm>
+      </p:grpSpPr>
+      <p:sp>
+        <p:nvSpPr>
+          <p:cNvPr id="3" name="Content Placeholder 2"/>
+          <p:cNvSpPr>
+            <a:spLocks noGrp="1"/>
+          </p:cNvSpPr>
+          <p:nvPr>
+            <p:ph idx="1"/>
+          </p:nvPr>
+        </p:nvSpPr>
+        <p:spPr/>
+        <p:txBody>
+          <a:bodyPr/>
+          <a:lstStyle/>
+          <a:p>
+            <a:pPr lvl="0" indent="0" marL="0">
+              <a:buNone/>
+            </a:pPr>
+            <a:r>
+              <a:rPr/>
+              <a:t>In the next module, we will continue our explorations in R by learning how to load data sets into our data frame, and perform some basic operations using some additional packages. These packages will allow us to consider how we can construct original data sets to develop unique questions for our analysis.</a:t>
+            </a:r>
+          </a:p>
+        </p:txBody>
+      </p:sp>
+    </p:spTree>
+  </p:cSld>
+</p:sld>
+</file>
+
+<file path=ppt/slides/slide53.xml><?xml version="1.0" encoding="utf-8"?>
+<p:sld xmlns:a="http://schemas.openxmlformats.org/drawingml/2006/main" xmlns:r="http://schemas.openxmlformats.org/officeDocument/2006/relationships" xmlns:p="http://schemas.openxmlformats.org/presentationml/2006/main">
+  <p:cSld>
+    <p:spTree>
+      <p:nvGrpSpPr>
+        <p:cNvPr id="1" name=""/>
+        <p:cNvGrpSpPr/>
+        <p:nvPr/>
+      </p:nvGrpSpPr>
+      <p:grpSpPr>
+        <a:xfrm>
+          <a:off x="0" y="0"/>
+          <a:ext cx="0" cy="0"/>
+          <a:chOff x="0" y="0"/>
+          <a:chExt cx="0" cy="0"/>
+        </a:xfrm>
+      </p:grpSpPr>
+      <p:sp>
+        <p:nvSpPr>
+          <p:cNvPr id="2" name="Title 1"/>
+          <p:cNvSpPr>
+            <a:spLocks noGrp="1"/>
+          </p:cNvSpPr>
+          <p:nvPr>
+            <p:ph type="title"/>
+          </p:nvPr>
+        </p:nvSpPr>
+        <p:spPr>
+          <a:xfrm>
+            <a:off x="722313" y="3305176"/>
+            <a:ext cx="7772400" cy="1021556"/>
+          </a:xfrm>
+        </p:spPr>
+        <p:txBody>
+          <a:bodyPr/>
+          <a:lstStyle/>
+          <a:p>
+            <a:pPr lvl="0" indent="0" marL="0">
+              <a:buNone/>
+            </a:pPr>
+            <a:r>
+              <a:rPr/>
+              <a:t>References</a:t>
             </a:r>
           </a:p>
         </p:txBody>
@@ -8011,84 +8922,47 @@
           <a:bodyPr/>
           <a:lstStyle/>
           <a:p>
-            <a:pPr lvl="0" indent="0">
+            <a:pPr lvl="0" indent="0" marL="1270000">
               <a:buNone/>
             </a:pPr>
             <a:r>
-              <a:rPr>
-                <a:solidFill>
-                  <a:srgbClr val="5E5E5E"/>
-                </a:solidFill>
-                <a:latin typeface="Courier"/>
-              </a:rPr>
-              <a:t># compute the mean</a:t>
-            </a:r>
-            <a:br/>
-            <a:r>
-              <a:rPr>
-                <a:solidFill>
-                  <a:srgbClr val="003B4F"/>
-                </a:solidFill>
-                <a:latin typeface="Courier"/>
-              </a:rPr>
-              <a:t>m = </a:t>
-            </a:r>
-            <a:r>
-              <a:rPr>
-                <a:solidFill>
-                  <a:srgbClr val="4758AB"/>
-                </a:solidFill>
-                <a:latin typeface="Courier"/>
-              </a:rPr>
-              <a:t>sum</a:t>
-            </a:r>
-            <a:r>
-              <a:rPr>
-                <a:solidFill>
-                  <a:srgbClr val="003B4F"/>
-                </a:solidFill>
-                <a:latin typeface="Courier"/>
-              </a:rPr>
-              <a:t>(x)</a:t>
-            </a:r>
-            <a:r>
-              <a:rPr>
-                <a:solidFill>
-                  <a:srgbClr val="5E5E5E"/>
-                </a:solidFill>
-                <a:latin typeface="Courier"/>
-              </a:rPr>
-              <a:t>/</a:t>
-            </a:r>
-            <a:r>
-              <a:rPr>
-                <a:solidFill>
-                  <a:srgbClr val="AD0000"/>
-                </a:solidFill>
-                <a:latin typeface="Courier"/>
-              </a:rPr>
-              <a:t>4</a:t>
-            </a:r>
-            <a:br/>
-            <a:r>
-              <a:rPr>
-                <a:solidFill>
-                  <a:srgbClr val="003B4F"/>
-                </a:solidFill>
-                <a:latin typeface="Courier"/>
-              </a:rPr>
-              <a:t>m</a:t>
-            </a:r>
-          </a:p>
-          <a:p>
-            <a:pPr lvl="0" indent="0">
+              <a:rPr sz="2000" b="1"/>
+              <a:t>Example: Challenging Statistics in Media</a:t>
+            </a:r>
+          </a:p>
+          <a:p>
+            <a:pPr lvl="0" indent="0" marL="1270000">
               <a:buNone/>
             </a:pPr>
             <a:r>
-              <a:rPr>
-                <a:latin typeface="Courier"/>
-              </a:rPr>
-              <a:t>[1] 3</a:t>
+              <a:rPr sz="2000"/>
+              <a:t>The American sitcom </a:t>
+            </a:r>
+            <a:r>
+              <a:rPr sz="2000" i="1"/>
+              <a:t>A Different World</a:t>
+            </a:r>
+            <a:r>
+              <a:rPr sz="2000"/>
+              <a:t> challenged negative stereotypes associated with Black youth and families regarding the pursuit of higher education. By portraying a vibrant college life at Hillman, a predominately Black college in the U.S., the series highlighted the importance of education as a priority within the Black community.</a:t>
+            </a:r>
+          </a:p>
+          <a:p>
+            <a:pPr lvl="0" indent="0" marL="1270000">
+              <a:buNone/>
+            </a:pPr>
+            <a:r>
+              <a:rPr sz="2000"/>
+              <a:t>Image of ‘A Different World’ cast</a:t>
+            </a:r>
+          </a:p>
+          <a:p>
+            <a:pPr lvl="0" indent="0" marL="1270000">
+              <a:buNone/>
+            </a:pPr>
+            <a:r>
+              <a:rPr sz="2000"/>
+              <a:t>Image of ‘A Different World’ cast</a:t>
             </a:r>
           </a:p>
         </p:txBody>
@@ -8130,47 +9004,37 @@
           <a:bodyPr/>
           <a:lstStyle/>
           <a:p>
-            <a:pPr lvl="0" indent="0">
+            <a:pPr lvl="0" indent="0" marL="1270000">
               <a:buNone/>
             </a:pPr>
             <a:r>
-              <a:rPr>
-                <a:solidFill>
-                  <a:srgbClr val="5E5E5E"/>
-                </a:solidFill>
-                <a:latin typeface="Courier"/>
-              </a:rPr>
-              <a:t># compute the median</a:t>
-            </a:r>
-            <a:br/>
-            <a:r>
-              <a:rPr>
-                <a:solidFill>
-                  <a:srgbClr val="4758AB"/>
-                </a:solidFill>
-                <a:latin typeface="Courier"/>
-              </a:rPr>
-              <a:t>median</a:t>
-            </a:r>
-            <a:r>
-              <a:rPr>
-                <a:solidFill>
-                  <a:srgbClr val="003B4F"/>
-                </a:solidFill>
-                <a:latin typeface="Courier"/>
-              </a:rPr>
-              <a:t>(x)</a:t>
-            </a:r>
-          </a:p>
-          <a:p>
-            <a:pPr lvl="0" indent="0">
+              <a:rPr sz="2000" b="1"/>
+              <a:t>Practice</a:t>
+            </a:r>
+          </a:p>
+          <a:p>
+            <a:pPr lvl="0" indent="0" marL="1270000">
               <a:buNone/>
             </a:pPr>
             <a:r>
-              <a:rPr>
-                <a:latin typeface="Courier"/>
-              </a:rPr>
-              <a:t>[1] 3</a:t>
+              <a:rPr sz="2000"/>
+              <a:t>In a discussion about the U.S. college enrollment rate of Black 18-24 year-olds, your colleague Rachel cites Bill Cosby and two shows that he produced, </a:t>
+            </a:r>
+            <a:r>
+              <a:rPr sz="2000" i="1"/>
+              <a:t>A Different World</a:t>
+            </a:r>
+            <a:r>
+              <a:rPr sz="2000"/>
+              <a:t> and </a:t>
+            </a:r>
+            <a:r>
+              <a:rPr sz="2000" i="1"/>
+              <a:t>The Cosby Show</a:t>
+            </a:r>
+            <a:r>
+              <a:rPr sz="2000"/>
+              <a:t>, as important examples to combat deficit racial stereotypes. However, during the discussion, another colleague mentions how Bill Cosby was found guilty of aggravated indecent assault and sexual predation, and mentions that we have to be mindful of the work we cite and the persons responsible for producing the work. The colleague states that ``one problematic case should not be combated with another problematic case” referring to Cosby; Rachel disagrees. Both colleagues ask for your opinion on the discussion. How might you respond?</a:t>
             </a:r>
           </a:p>
         </p:txBody>
@@ -8199,6 +9063,31 @@
       </p:grpSpPr>
       <p:sp>
         <p:nvSpPr>
+          <p:cNvPr id="2" name="Title 1"/>
+          <p:cNvSpPr>
+            <a:spLocks noGrp="1"/>
+          </p:cNvSpPr>
+          <p:nvPr>
+            <p:ph type="title"/>
+          </p:nvPr>
+        </p:nvSpPr>
+        <p:spPr/>
+        <p:txBody>
+          <a:bodyPr/>
+          <a:lstStyle/>
+          <a:p>
+            <a:pPr lvl="0" indent="0" marL="0">
+              <a:buNone/>
+            </a:pPr>
+            <a:r>
+              <a:rPr/>
+              <a:t>A Different World of Statistics</a:t>
+            </a:r>
+          </a:p>
+        </p:txBody>
+      </p:sp>
+      <p:sp>
+        <p:nvSpPr>
           <p:cNvPr id="3" name="Content Placeholder 2"/>
           <p:cNvSpPr>
             <a:spLocks noGrp="1"/>
@@ -8212,102 +9101,87 @@
           <a:bodyPr/>
           <a:lstStyle/>
           <a:p>
-            <a:pPr lvl="0" indent="0">
+            <a:pPr lvl="0" indent="0" marL="0">
               <a:buNone/>
             </a:pPr>
             <a:r>
-              <a:rPr>
-                <a:solidFill>
-                  <a:srgbClr val="5E5E5E"/>
-                </a:solidFill>
-                <a:latin typeface="Courier"/>
-              </a:rPr>
-              <a:t># compute the mode</a:t>
-            </a:r>
-            <a:br/>
-            <a:r>
-              <a:rPr>
-                <a:solidFill>
-                  <a:srgbClr val="4758AB"/>
-                </a:solidFill>
-                <a:latin typeface="Courier"/>
-              </a:rPr>
-              <a:t>mode</a:t>
-            </a:r>
-            <a:r>
-              <a:rPr>
-                <a:solidFill>
-                  <a:srgbClr val="003B4F"/>
-                </a:solidFill>
-                <a:latin typeface="Courier"/>
-              </a:rPr>
-              <a:t>(x)</a:t>
-            </a:r>
-          </a:p>
-          <a:p>
-            <a:pPr lvl="0" indent="0">
+              <a:rPr/>
+              <a:t>The idea of </a:t>
+            </a:r>
+            <a:r>
+              <a:rPr i="1"/>
+              <a:t>traditional statistics</a:t>
+            </a:r>
+            <a:r>
+              <a:rPr/>
+              <a:t> vs. </a:t>
+            </a:r>
+            <a:r>
+              <a:rPr i="1"/>
+              <a:t>non-traditional statistics</a:t>
+            </a:r>
+            <a:r>
+              <a:rPr/>
+              <a:t> may mean, on the surface at least, that we are in need of a </a:t>
+            </a:r>
+            <a:r>
+              <a:rPr i="1"/>
+              <a:t>critical</a:t>
+            </a:r>
+            <a:r>
+              <a:rPr/>
+              <a:t> statistics, and fast. But what if this dichotomy is a false one? What other pathways exist? Pathways of refusal? Pathways of exploration?</a:t>
+            </a:r>
+          </a:p>
+          <a:p>
+            <a:pPr lvl="0" indent="0" marL="0">
               <a:buNone/>
             </a:pPr>
             <a:r>
-              <a:rPr>
-                <a:latin typeface="Courier"/>
-              </a:rPr>
-              <a:t>[1] "numeric"</a:t>
-            </a:r>
-          </a:p>
-          <a:p>
-            <a:pPr lvl="0" indent="0">
+              <a:rPr/>
+              <a:t>We will make attempts to reside in the space between refusal and exploration, as two key aspects of what we will come to know as </a:t>
+            </a:r>
+            <a:r>
+              <a:rPr i="1"/>
+              <a:t>critical statistics</a:t>
+            </a:r>
+            <a:r>
+              <a:rPr/>
+              <a:t>. By employing a practice of refusal, we will have space to </a:t>
+            </a:r>
+            <a:r>
+              <a:rPr i="1"/>
+              <a:t>refuse</a:t>
+            </a:r>
+            <a:r>
+              <a:rPr/>
+              <a:t> harmful beliefs and scientific practices. In the spirit of learning, we will also </a:t>
+            </a:r>
+            <a:r>
+              <a:rPr i="1"/>
+              <a:t>explore</a:t>
+            </a:r>
+            <a:r>
+              <a:rPr/>
+              <a:t> the potential benefits (and drawbacks) of critical statistics.</a:t>
+            </a:r>
+          </a:p>
+          <a:p>
+            <a:pPr lvl="0" indent="0" marL="1270000">
               <a:buNone/>
             </a:pPr>
             <a:r>
-              <a:rPr>
-                <a:solidFill>
-                  <a:srgbClr val="003B4F"/>
-                </a:solidFill>
-                <a:latin typeface="Courier"/>
-              </a:rPr>
-              <a:t>table.x &lt;- </a:t>
-            </a:r>
-            <a:r>
-              <a:rPr>
-                <a:solidFill>
-                  <a:srgbClr val="4758AB"/>
-                </a:solidFill>
-                <a:latin typeface="Courier"/>
-              </a:rPr>
-              <a:t>table</a:t>
-            </a:r>
-            <a:r>
-              <a:rPr>
-                <a:solidFill>
-                  <a:srgbClr val="003B4F"/>
-                </a:solidFill>
-                <a:latin typeface="Courier"/>
-              </a:rPr>
-              <a:t>(x)</a:t>
-            </a:r>
-            <a:br/>
-            <a:r>
-              <a:rPr>
-                <a:solidFill>
-                  <a:srgbClr val="003B4F"/>
-                </a:solidFill>
-                <a:latin typeface="Courier"/>
-              </a:rPr>
-              <a:t>table.x</a:t>
-            </a:r>
-          </a:p>
-          <a:p>
-            <a:pPr lvl="0" indent="0">
+              <a:rPr sz="2000" b="1"/>
+              <a:t>Traditional approaches to statistics</a:t>
+            </a:r>
+          </a:p>
+          <a:p>
+            <a:pPr lvl="0" indent="0" marL="1270000">
               <a:buNone/>
             </a:pPr>
             <a:r>
-              <a:rPr>
-                <a:latin typeface="Courier"/>
-              </a:rPr>
-              <a:t>x
-2 4 
-2 2 </a:t>
+              <a:rPr sz="2000"/>
+              <a:t>Critical approaches to statistics require interdisciplinary thinking.</a:t>
             </a:r>
           </a:p>
         </p:txBody>
@@ -8336,12 +9210,12 @@
       </p:grpSpPr>
       <p:sp>
         <p:nvSpPr>
-          <p:cNvPr id="4" name="Text Placeholder 3"/>
-          <p:cNvSpPr>
-            <a:spLocks noGrp="1"/>
-          </p:cNvSpPr>
-          <p:nvPr>
-            <p:ph idx="2" sz="half" type="body"/>
+          <p:cNvPr id="3" name="Content Placeholder 2"/>
+          <p:cNvSpPr>
+            <a:spLocks noGrp="1"/>
+          </p:cNvSpPr>
+          <p:nvPr>
+            <p:ph idx="1"/>
           </p:nvPr>
         </p:nvSpPr>
         <p:spPr/>
@@ -8349,70 +9223,47 @@
           <a:bodyPr/>
           <a:lstStyle/>
           <a:p>
-            <a:pPr lvl="0" indent="0">
+            <a:pPr lvl="0" indent="0" marL="0">
               <a:buNone/>
             </a:pPr>
             <a:r>
-              <a:rPr>
-                <a:solidFill>
-                  <a:srgbClr val="5E5E5E"/>
-                </a:solidFill>
-                <a:latin typeface="Courier"/>
-              </a:rPr>
-              <a:t># create a histogram</a:t>
-            </a:r>
-            <a:br/>
-            <a:r>
-              <a:rPr>
-                <a:solidFill>
-                  <a:srgbClr val="4758AB"/>
-                </a:solidFill>
-                <a:latin typeface="Courier"/>
-              </a:rPr>
-              <a:t>hist</a:t>
-            </a:r>
-            <a:r>
-              <a:rPr>
-                <a:solidFill>
-                  <a:srgbClr val="003B4F"/>
-                </a:solidFill>
-                <a:latin typeface="Courier"/>
-              </a:rPr>
-              <a:t>(x)</a:t>
-            </a:r>
-          </a:p>
-        </p:txBody>
-      </p:sp>
-      <p:pic>
-        <p:nvPicPr>
-          <p:cNvPr descr="week02_files/figure-pptx/unnamed-chunk-8-1.png" id="0" name="Picture 1"/>
-          <p:cNvPicPr>
-            <a:picLocks noGrp="1" noChangeAspect="1"/>
-          </p:cNvPicPr>
-          <p:nvPr/>
-        </p:nvPicPr>
-        <p:blipFill>
-          <a:blip r:embed="rId2"/>
-          <a:stretch>
-            <a:fillRect/>
-          </a:stretch>
-        </p:blipFill>
-        <p:spPr bwMode="auto">
-          <a:xfrm>
-            <a:off x="3568700" y="1117600"/>
-            <a:ext cx="5105400" cy="2552700"/>
-          </a:xfrm>
-          <a:prstGeom prst="rect">
-            <a:avLst/>
-          </a:prstGeom>
-          <a:noFill/>
-          <a:ln w="9525">
-            <a:noFill/>
-            <a:headEnd/>
-            <a:tailEnd/>
-          </a:ln>
-        </p:spPr>
-      </p:pic>
+              <a:rPr/>
+              <a:t>Traditional approaches to statistics in some areas of study, like the environmental sciences, provide important information about changes and differences in global patterns. In other areas of study, such as education and the social sciences, statistics has a different history.</a:t>
+            </a:r>
+          </a:p>
+          <a:p>
+            <a:pPr lvl="0" indent="0" marL="0">
+              <a:buNone/>
+            </a:pPr>
+            <a:r>
+              <a:rPr/>
+              <a:t>In the specific case of U.S. college enrollment rates, you may be concerned with some broader questions about data in the education sciences. In the spirit of </a:t>
+            </a:r>
+            <a:r>
+              <a:rPr i="1"/>
+              <a:t>exploration</a:t>
+            </a:r>
+            <a:r>
+              <a:rPr/>
+              <a:t>, you might ask:</a:t>
+            </a:r>
+          </a:p>
+          <a:p>
+            <a:pPr lvl="0"/>
+            <a:r>
+              <a:rPr/>
+              <a:t>Should we interpret these enrollment statistics as indicative of broader societal issues affecting access to higher education?</a:t>
+            </a:r>
+          </a:p>
+          <a:p>
+            <a:pPr lvl="0"/>
+            <a:r>
+              <a:rPr/>
+              <a:t>What are the historical and systemic barriers that could explain the differences in enrollment rates among students?</a:t>
+            </a:r>
+          </a:p>
+        </p:txBody>
+      </p:sp>
     </p:spTree>
   </p:cSld>
 </p:sld>
